--- a/Notes_JHW/中期.pptx
+++ b/Notes_JHW/中期.pptx
@@ -224,7 +224,7 @@
           <a:p>
             <a:fld id="{638488D8-C6A1-4250-89E7-7B45436B2DC4}" type="datetimeFigureOut">
               <a:rPr lang="zh-CN" altLang="en-US" smtClean="0"/>
-              <a:t>2020/11/12</a:t>
+              <a:t>2020/11/16</a:t>
             </a:fld>
             <a:endParaRPr lang="zh-CN" altLang="en-US"/>
           </a:p>
@@ -535,7 +535,604 @@
           <a:bodyPr/>
           <a:lstStyle/>
           <a:p>
-            <a:endParaRPr lang="zh-CN" altLang="en-US" dirty="0"/>
+            <a:r>
+              <a:rPr lang="zh-CN" altLang="en-US" b="1" dirty="0"/>
+              <a:t>项目研究进展情况：</a:t>
+            </a:r>
+            <a:endParaRPr lang="en-US" altLang="zh-CN" b="1" dirty="0"/>
+          </a:p>
+          <a:p>
+            <a:endParaRPr lang="en-US" altLang="zh-CN" b="1" dirty="0"/>
+          </a:p>
+          <a:p>
+            <a:endParaRPr lang="en-US" altLang="zh-CN" b="1" dirty="0"/>
+          </a:p>
+          <a:p>
+            <a:r>
+              <a:rPr lang="zh-CN" altLang="en-US" b="1" dirty="0"/>
+              <a:t>项目研究已取得阶段性成果和收获：</a:t>
+            </a:r>
+            <a:endParaRPr lang="en-US" altLang="zh-CN" b="1" dirty="0"/>
+          </a:p>
+          <a:p>
+            <a:r>
+              <a:rPr lang="en-US" altLang="zh-CN" b="0" i="0" dirty="0">
+                <a:solidFill>
+                  <a:srgbClr val="000000"/>
+                </a:solidFill>
+                <a:effectLst/>
+                <a:latin typeface="Arial" panose="020B0604020202020204" pitchFamily="34" charset="0"/>
+              </a:rPr>
+              <a:t>1</a:t>
+            </a:r>
+            <a:r>
+              <a:rPr lang="zh-CN" altLang="en-US" b="0" i="0" dirty="0">
+                <a:solidFill>
+                  <a:srgbClr val="000000"/>
+                </a:solidFill>
+                <a:effectLst/>
+                <a:latin typeface="Arial" panose="020B0604020202020204" pitchFamily="34" charset="0"/>
+              </a:rPr>
+              <a:t>）借助网络资料，对神经网络和自然语言处理相关知识的学习。（</a:t>
+            </a:r>
+            <a:r>
+              <a:rPr lang="en-US" altLang="zh-CN" b="0" i="0" dirty="0">
+                <a:solidFill>
+                  <a:srgbClr val="000000"/>
+                </a:solidFill>
+                <a:effectLst/>
+                <a:latin typeface="Arial" panose="020B0604020202020204" pitchFamily="34" charset="0"/>
+              </a:rPr>
+              <a:t>2020</a:t>
+            </a:r>
+            <a:r>
+              <a:rPr lang="zh-CN" altLang="en-US" b="0" i="0" dirty="0">
+                <a:solidFill>
+                  <a:srgbClr val="000000"/>
+                </a:solidFill>
+                <a:effectLst/>
+                <a:latin typeface="Arial" panose="020B0604020202020204" pitchFamily="34" charset="0"/>
+              </a:rPr>
+              <a:t>年</a:t>
+            </a:r>
+            <a:r>
+              <a:rPr lang="en-US" altLang="zh-CN" b="0" i="0" dirty="0">
+                <a:solidFill>
+                  <a:srgbClr val="000000"/>
+                </a:solidFill>
+                <a:effectLst/>
+                <a:latin typeface="Arial" panose="020B0604020202020204" pitchFamily="34" charset="0"/>
+              </a:rPr>
+              <a:t>4</a:t>
+            </a:r>
+            <a:r>
+              <a:rPr lang="zh-CN" altLang="en-US" b="0" i="0" dirty="0">
+                <a:solidFill>
+                  <a:srgbClr val="000000"/>
+                </a:solidFill>
+                <a:effectLst/>
+                <a:latin typeface="Arial" panose="020B0604020202020204" pitchFamily="34" charset="0"/>
+              </a:rPr>
+              <a:t>月</a:t>
+            </a:r>
+            <a:r>
+              <a:rPr lang="en-US" altLang="zh-CN" b="0" i="0" dirty="0">
+                <a:solidFill>
+                  <a:srgbClr val="000000"/>
+                </a:solidFill>
+                <a:effectLst/>
+                <a:latin typeface="Arial" panose="020B0604020202020204" pitchFamily="34" charset="0"/>
+              </a:rPr>
+              <a:t>~2020</a:t>
+            </a:r>
+            <a:r>
+              <a:rPr lang="zh-CN" altLang="en-US" b="0" i="0" dirty="0">
+                <a:solidFill>
+                  <a:srgbClr val="000000"/>
+                </a:solidFill>
+                <a:effectLst/>
+                <a:latin typeface="Arial" panose="020B0604020202020204" pitchFamily="34" charset="0"/>
+              </a:rPr>
+              <a:t>年</a:t>
+            </a:r>
+            <a:r>
+              <a:rPr lang="en-US" altLang="zh-CN" b="0" i="0" dirty="0">
+                <a:solidFill>
+                  <a:srgbClr val="000000"/>
+                </a:solidFill>
+                <a:effectLst/>
+                <a:latin typeface="Arial" panose="020B0604020202020204" pitchFamily="34" charset="0"/>
+              </a:rPr>
+              <a:t>5</a:t>
+            </a:r>
+            <a:r>
+              <a:rPr lang="zh-CN" altLang="en-US" b="0" i="0" dirty="0">
+                <a:solidFill>
+                  <a:srgbClr val="000000"/>
+                </a:solidFill>
+                <a:effectLst/>
+                <a:latin typeface="Arial" panose="020B0604020202020204" pitchFamily="34" charset="0"/>
+              </a:rPr>
+              <a:t>月）</a:t>
+            </a:r>
+            <a:br>
+              <a:rPr lang="zh-CN" altLang="en-US" dirty="0"/>
+            </a:br>
+            <a:r>
+              <a:rPr lang="en-US" altLang="zh-CN" b="0" i="0" dirty="0">
+                <a:solidFill>
+                  <a:srgbClr val="000000"/>
+                </a:solidFill>
+                <a:effectLst/>
+                <a:latin typeface="Arial" panose="020B0604020202020204" pitchFamily="34" charset="0"/>
+              </a:rPr>
+              <a:t>2</a:t>
+            </a:r>
+            <a:r>
+              <a:rPr lang="zh-CN" altLang="en-US" b="0" i="0" dirty="0">
+                <a:solidFill>
+                  <a:srgbClr val="000000"/>
+                </a:solidFill>
+                <a:effectLst/>
+                <a:latin typeface="Arial" panose="020B0604020202020204" pitchFamily="34" charset="0"/>
+              </a:rPr>
+              <a:t>）阅读资料和查看文献完成知识储备的同时，关注一些相关的研究成果，进行模型的初步搭建。（</a:t>
+            </a:r>
+            <a:r>
+              <a:rPr lang="en-US" altLang="zh-CN" b="0" i="0" dirty="0">
+                <a:solidFill>
+                  <a:srgbClr val="000000"/>
+                </a:solidFill>
+                <a:effectLst/>
+                <a:latin typeface="Arial" panose="020B0604020202020204" pitchFamily="34" charset="0"/>
+              </a:rPr>
+              <a:t>2020</a:t>
+            </a:r>
+            <a:r>
+              <a:rPr lang="zh-CN" altLang="en-US" b="0" i="0" dirty="0">
+                <a:solidFill>
+                  <a:srgbClr val="000000"/>
+                </a:solidFill>
+                <a:effectLst/>
+                <a:latin typeface="Arial" panose="020B0604020202020204" pitchFamily="34" charset="0"/>
+              </a:rPr>
+              <a:t>年</a:t>
+            </a:r>
+            <a:r>
+              <a:rPr lang="en-US" altLang="zh-CN" b="0" i="0" dirty="0">
+                <a:solidFill>
+                  <a:srgbClr val="000000"/>
+                </a:solidFill>
+                <a:effectLst/>
+                <a:latin typeface="Arial" panose="020B0604020202020204" pitchFamily="34" charset="0"/>
+              </a:rPr>
+              <a:t>5</a:t>
+            </a:r>
+            <a:r>
+              <a:rPr lang="zh-CN" altLang="en-US" b="0" i="0" dirty="0">
+                <a:solidFill>
+                  <a:srgbClr val="000000"/>
+                </a:solidFill>
+                <a:effectLst/>
+                <a:latin typeface="Arial" panose="020B0604020202020204" pitchFamily="34" charset="0"/>
+              </a:rPr>
+              <a:t>月</a:t>
+            </a:r>
+            <a:r>
+              <a:rPr lang="en-US" altLang="zh-CN" b="0" i="0" dirty="0">
+                <a:solidFill>
+                  <a:srgbClr val="000000"/>
+                </a:solidFill>
+                <a:effectLst/>
+                <a:latin typeface="Arial" panose="020B0604020202020204" pitchFamily="34" charset="0"/>
+              </a:rPr>
+              <a:t>~2020</a:t>
+            </a:r>
+            <a:r>
+              <a:rPr lang="zh-CN" altLang="en-US" b="0" i="0" dirty="0">
+                <a:solidFill>
+                  <a:srgbClr val="000000"/>
+                </a:solidFill>
+                <a:effectLst/>
+                <a:latin typeface="Arial" panose="020B0604020202020204" pitchFamily="34" charset="0"/>
+              </a:rPr>
+              <a:t>年</a:t>
+            </a:r>
+            <a:r>
+              <a:rPr lang="en-US" altLang="zh-CN" b="0" i="0" dirty="0">
+                <a:solidFill>
+                  <a:srgbClr val="000000"/>
+                </a:solidFill>
+                <a:effectLst/>
+                <a:latin typeface="Arial" panose="020B0604020202020204" pitchFamily="34" charset="0"/>
+              </a:rPr>
+              <a:t>7</a:t>
+            </a:r>
+            <a:r>
+              <a:rPr lang="zh-CN" altLang="en-US" b="0" i="0" dirty="0">
+                <a:solidFill>
+                  <a:srgbClr val="000000"/>
+                </a:solidFill>
+                <a:effectLst/>
+                <a:latin typeface="Arial" panose="020B0604020202020204" pitchFamily="34" charset="0"/>
+              </a:rPr>
+              <a:t>月）</a:t>
+            </a:r>
+            <a:br>
+              <a:rPr lang="zh-CN" altLang="en-US" dirty="0"/>
+            </a:br>
+            <a:r>
+              <a:rPr lang="en-US" altLang="zh-CN" b="0" i="0" dirty="0">
+                <a:solidFill>
+                  <a:srgbClr val="000000"/>
+                </a:solidFill>
+                <a:effectLst/>
+                <a:latin typeface="Arial" panose="020B0604020202020204" pitchFamily="34" charset="0"/>
+              </a:rPr>
+              <a:t>3</a:t>
+            </a:r>
+            <a:r>
+              <a:rPr lang="zh-CN" altLang="en-US" b="0" i="0" dirty="0">
+                <a:solidFill>
+                  <a:srgbClr val="000000"/>
+                </a:solidFill>
+                <a:effectLst/>
+                <a:latin typeface="Arial" panose="020B0604020202020204" pitchFamily="34" charset="0"/>
+              </a:rPr>
+              <a:t>）搭建并训练模型，完成句法分析部分的测试。（</a:t>
+            </a:r>
+            <a:r>
+              <a:rPr lang="en-US" altLang="zh-CN" b="0" i="0" dirty="0">
+                <a:solidFill>
+                  <a:srgbClr val="000000"/>
+                </a:solidFill>
+                <a:effectLst/>
+                <a:latin typeface="Arial" panose="020B0604020202020204" pitchFamily="34" charset="0"/>
+              </a:rPr>
+              <a:t>2020</a:t>
+            </a:r>
+            <a:r>
+              <a:rPr lang="zh-CN" altLang="en-US" b="0" i="0" dirty="0">
+                <a:solidFill>
+                  <a:srgbClr val="000000"/>
+                </a:solidFill>
+                <a:effectLst/>
+                <a:latin typeface="Arial" panose="020B0604020202020204" pitchFamily="34" charset="0"/>
+              </a:rPr>
+              <a:t>年</a:t>
+            </a:r>
+            <a:r>
+              <a:rPr lang="en-US" altLang="zh-CN" b="0" i="0" dirty="0">
+                <a:solidFill>
+                  <a:srgbClr val="000000"/>
+                </a:solidFill>
+                <a:effectLst/>
+                <a:latin typeface="Arial" panose="020B0604020202020204" pitchFamily="34" charset="0"/>
+              </a:rPr>
+              <a:t>7</a:t>
+            </a:r>
+            <a:r>
+              <a:rPr lang="zh-CN" altLang="en-US" b="0" i="0" dirty="0">
+                <a:solidFill>
+                  <a:srgbClr val="000000"/>
+                </a:solidFill>
+                <a:effectLst/>
+                <a:latin typeface="Arial" panose="020B0604020202020204" pitchFamily="34" charset="0"/>
+              </a:rPr>
+              <a:t>月</a:t>
+            </a:r>
+            <a:r>
+              <a:rPr lang="en-US" altLang="zh-CN" b="0" i="0" dirty="0">
+                <a:solidFill>
+                  <a:srgbClr val="000000"/>
+                </a:solidFill>
+                <a:effectLst/>
+                <a:latin typeface="Arial" panose="020B0604020202020204" pitchFamily="34" charset="0"/>
+              </a:rPr>
+              <a:t>~2020</a:t>
+            </a:r>
+            <a:r>
+              <a:rPr lang="zh-CN" altLang="en-US" b="0" i="0" dirty="0">
+                <a:solidFill>
+                  <a:srgbClr val="000000"/>
+                </a:solidFill>
+                <a:effectLst/>
+                <a:latin typeface="Arial" panose="020B0604020202020204" pitchFamily="34" charset="0"/>
+              </a:rPr>
+              <a:t>年</a:t>
+            </a:r>
+            <a:r>
+              <a:rPr lang="en-US" altLang="zh-CN" b="0" i="0" dirty="0">
+                <a:solidFill>
+                  <a:srgbClr val="000000"/>
+                </a:solidFill>
+                <a:effectLst/>
+                <a:latin typeface="Arial" panose="020B0604020202020204" pitchFamily="34" charset="0"/>
+              </a:rPr>
+              <a:t>11</a:t>
+            </a:r>
+            <a:r>
+              <a:rPr lang="zh-CN" altLang="en-US" b="0" i="0" dirty="0">
+                <a:solidFill>
+                  <a:srgbClr val="000000"/>
+                </a:solidFill>
+                <a:effectLst/>
+                <a:latin typeface="Arial" panose="020B0604020202020204" pitchFamily="34" charset="0"/>
+              </a:rPr>
+              <a:t>月中期答辩前）</a:t>
+            </a:r>
+            <a:endParaRPr lang="en-US" altLang="zh-CN" dirty="0"/>
+          </a:p>
+          <a:p>
+            <a:endParaRPr lang="en-US" altLang="zh-CN" dirty="0"/>
+          </a:p>
+          <a:p>
+            <a:r>
+              <a:rPr lang="zh-CN" altLang="en-US" b="1" i="0" dirty="0">
+                <a:solidFill>
+                  <a:srgbClr val="3E3E3E"/>
+                </a:solidFill>
+                <a:effectLst/>
+                <a:latin typeface="微软雅黑" panose="020B0503020204020204" pitchFamily="34" charset="-122"/>
+                <a:ea typeface="微软雅黑" panose="020B0503020204020204" pitchFamily="34" charset="-122"/>
+              </a:rPr>
+              <a:t>项目研究存在的主要问题分析及应对思路与措施：</a:t>
+            </a:r>
+            <a:br>
+              <a:rPr lang="en-US" altLang="zh-CN" b="1" i="0" dirty="0">
+                <a:solidFill>
+                  <a:srgbClr val="3E3E3E"/>
+                </a:solidFill>
+                <a:effectLst/>
+                <a:latin typeface="微软雅黑" panose="020B0503020204020204" pitchFamily="34" charset="-122"/>
+                <a:ea typeface="微软雅黑" panose="020B0503020204020204" pitchFamily="34" charset="-122"/>
+              </a:rPr>
+            </a:br>
+            <a:r>
+              <a:rPr lang="zh-CN" altLang="en-US" b="0" i="0" dirty="0">
+                <a:solidFill>
+                  <a:srgbClr val="000000"/>
+                </a:solidFill>
+                <a:effectLst/>
+                <a:latin typeface="Arial" panose="020B0604020202020204" pitchFamily="34" charset="0"/>
+              </a:rPr>
+              <a:t> 对于代码的运行了解不够深入，还需要进一步了解，刚刚跑通测试</a:t>
+            </a:r>
+            <a:r>
+              <a:rPr lang="en-US" altLang="zh-CN" b="0" i="0" dirty="0">
+                <a:solidFill>
+                  <a:srgbClr val="000000"/>
+                </a:solidFill>
+                <a:effectLst/>
+                <a:latin typeface="Arial" panose="020B0604020202020204" pitchFamily="34" charset="0"/>
+              </a:rPr>
+              <a:t>demo</a:t>
+            </a:r>
+            <a:r>
+              <a:rPr lang="zh-CN" altLang="en-US" b="0" i="0" dirty="0">
+                <a:solidFill>
+                  <a:srgbClr val="000000"/>
+                </a:solidFill>
+                <a:effectLst/>
+                <a:latin typeface="Arial" panose="020B0604020202020204" pitchFamily="34" charset="0"/>
+              </a:rPr>
+              <a:t>，还需要对代码进行更深度的研究。</a:t>
+            </a:r>
+            <a:endParaRPr lang="en-US" altLang="zh-CN" b="1" i="0" dirty="0">
+              <a:solidFill>
+                <a:srgbClr val="3E3E3E"/>
+              </a:solidFill>
+              <a:effectLst/>
+              <a:latin typeface="微软雅黑" panose="020B0503020204020204" pitchFamily="34" charset="-122"/>
+              <a:ea typeface="微软雅黑" panose="020B0503020204020204" pitchFamily="34" charset="-122"/>
+            </a:endParaRPr>
+          </a:p>
+          <a:p>
+            <a:r>
+              <a:rPr lang="zh-CN" altLang="en-US" b="1" i="0" dirty="0">
+                <a:solidFill>
+                  <a:srgbClr val="3E3E3E"/>
+                </a:solidFill>
+                <a:effectLst/>
+                <a:latin typeface="微软雅黑" panose="020B0503020204020204" pitchFamily="34" charset="-122"/>
+                <a:ea typeface="微软雅黑" panose="020B0503020204020204" pitchFamily="34" charset="-122"/>
+              </a:rPr>
+              <a:t>项目研究下阶段主要任务及时间进度安排：</a:t>
+            </a:r>
+            <a:endParaRPr lang="en-US" altLang="zh-CN" b="1" i="0" dirty="0">
+              <a:solidFill>
+                <a:srgbClr val="3E3E3E"/>
+              </a:solidFill>
+              <a:effectLst/>
+              <a:latin typeface="微软雅黑" panose="020B0503020204020204" pitchFamily="34" charset="-122"/>
+              <a:ea typeface="微软雅黑" panose="020B0503020204020204" pitchFamily="34" charset="-122"/>
+            </a:endParaRPr>
+          </a:p>
+          <a:p>
+            <a:r>
+              <a:rPr lang="zh-CN" altLang="en-US" b="0" i="0" dirty="0">
+                <a:solidFill>
+                  <a:srgbClr val="000000"/>
+                </a:solidFill>
+                <a:effectLst/>
+                <a:latin typeface="Arial" panose="020B0604020202020204" pitchFamily="34" charset="0"/>
+              </a:rPr>
+              <a:t>搭建并训练模型，完成句法分析部分的测试，进行句法可视化。（</a:t>
+            </a:r>
+            <a:r>
+              <a:rPr lang="en-US" altLang="zh-CN" b="0" i="0" dirty="0">
+                <a:solidFill>
+                  <a:srgbClr val="000000"/>
+                </a:solidFill>
+                <a:effectLst/>
+                <a:latin typeface="Arial" panose="020B0604020202020204" pitchFamily="34" charset="0"/>
+              </a:rPr>
+              <a:t>2020</a:t>
+            </a:r>
+            <a:r>
+              <a:rPr lang="zh-CN" altLang="en-US" b="0" i="0" dirty="0">
+                <a:solidFill>
+                  <a:srgbClr val="000000"/>
+                </a:solidFill>
+                <a:effectLst/>
+                <a:latin typeface="Arial" panose="020B0604020202020204" pitchFamily="34" charset="0"/>
+              </a:rPr>
+              <a:t>年</a:t>
+            </a:r>
+            <a:r>
+              <a:rPr lang="en-US" altLang="zh-CN" b="0" i="0" dirty="0">
+                <a:solidFill>
+                  <a:srgbClr val="000000"/>
+                </a:solidFill>
+                <a:effectLst/>
+                <a:latin typeface="Arial" panose="020B0604020202020204" pitchFamily="34" charset="0"/>
+              </a:rPr>
+              <a:t>11</a:t>
+            </a:r>
+            <a:r>
+              <a:rPr lang="zh-CN" altLang="en-US" b="0" i="0" dirty="0">
+                <a:solidFill>
+                  <a:srgbClr val="000000"/>
+                </a:solidFill>
+                <a:effectLst/>
+                <a:latin typeface="Arial" panose="020B0604020202020204" pitchFamily="34" charset="0"/>
+              </a:rPr>
+              <a:t>月</a:t>
+            </a:r>
+            <a:r>
+              <a:rPr lang="en-US" altLang="zh-CN" b="0" i="0" dirty="0">
+                <a:solidFill>
+                  <a:srgbClr val="000000"/>
+                </a:solidFill>
+                <a:effectLst/>
+                <a:latin typeface="Arial" panose="020B0604020202020204" pitchFamily="34" charset="0"/>
+              </a:rPr>
+              <a:t>~2021</a:t>
+            </a:r>
+            <a:r>
+              <a:rPr lang="zh-CN" altLang="en-US" b="0" i="0" dirty="0">
+                <a:solidFill>
+                  <a:srgbClr val="000000"/>
+                </a:solidFill>
+                <a:effectLst/>
+                <a:latin typeface="Arial" panose="020B0604020202020204" pitchFamily="34" charset="0"/>
+              </a:rPr>
+              <a:t>年</a:t>
+            </a:r>
+            <a:r>
+              <a:rPr lang="en-US" altLang="zh-CN" b="0" i="0" dirty="0">
+                <a:solidFill>
+                  <a:srgbClr val="000000"/>
+                </a:solidFill>
+                <a:effectLst/>
+                <a:latin typeface="Arial" panose="020B0604020202020204" pitchFamily="34" charset="0"/>
+              </a:rPr>
+              <a:t>1</a:t>
+            </a:r>
+            <a:r>
+              <a:rPr lang="zh-CN" altLang="en-US" b="0" i="0" dirty="0">
+                <a:solidFill>
+                  <a:srgbClr val="000000"/>
+                </a:solidFill>
+                <a:effectLst/>
+                <a:latin typeface="Arial" panose="020B0604020202020204" pitchFamily="34" charset="0"/>
+              </a:rPr>
+              <a:t>月）</a:t>
+            </a:r>
+            <a:br>
+              <a:rPr lang="zh-CN" altLang="en-US" dirty="0"/>
+            </a:br>
+            <a:r>
+              <a:rPr lang="zh-CN" altLang="en-US" b="0" i="0" dirty="0">
+                <a:solidFill>
+                  <a:srgbClr val="000000"/>
+                </a:solidFill>
+                <a:effectLst/>
+                <a:latin typeface="Arial" panose="020B0604020202020204" pitchFamily="34" charset="0"/>
+              </a:rPr>
+              <a:t>产品的进一步功能实现及优化、测试、部署等。（</a:t>
+            </a:r>
+            <a:r>
+              <a:rPr lang="en-US" altLang="zh-CN" b="0" i="0" dirty="0">
+                <a:solidFill>
+                  <a:srgbClr val="000000"/>
+                </a:solidFill>
+                <a:effectLst/>
+                <a:latin typeface="Arial" panose="020B0604020202020204" pitchFamily="34" charset="0"/>
+              </a:rPr>
+              <a:t>2021</a:t>
+            </a:r>
+            <a:r>
+              <a:rPr lang="zh-CN" altLang="en-US" b="0" i="0" dirty="0">
+                <a:solidFill>
+                  <a:srgbClr val="000000"/>
+                </a:solidFill>
+                <a:effectLst/>
+                <a:latin typeface="Arial" panose="020B0604020202020204" pitchFamily="34" charset="0"/>
+              </a:rPr>
+              <a:t>年</a:t>
+            </a:r>
+            <a:r>
+              <a:rPr lang="en-US" altLang="zh-CN" b="0" i="0" dirty="0">
+                <a:solidFill>
+                  <a:srgbClr val="000000"/>
+                </a:solidFill>
+                <a:effectLst/>
+                <a:latin typeface="Arial" panose="020B0604020202020204" pitchFamily="34" charset="0"/>
+              </a:rPr>
+              <a:t>1</a:t>
+            </a:r>
+            <a:r>
+              <a:rPr lang="zh-CN" altLang="en-US" b="0" i="0" dirty="0">
+                <a:solidFill>
+                  <a:srgbClr val="000000"/>
+                </a:solidFill>
+                <a:effectLst/>
+                <a:latin typeface="Arial" panose="020B0604020202020204" pitchFamily="34" charset="0"/>
+              </a:rPr>
+              <a:t>月</a:t>
+            </a:r>
+            <a:r>
+              <a:rPr lang="en-US" altLang="zh-CN" b="0" i="0" dirty="0">
+                <a:solidFill>
+                  <a:srgbClr val="000000"/>
+                </a:solidFill>
+                <a:effectLst/>
+                <a:latin typeface="Arial" panose="020B0604020202020204" pitchFamily="34" charset="0"/>
+              </a:rPr>
+              <a:t>~2021</a:t>
+            </a:r>
+            <a:r>
+              <a:rPr lang="zh-CN" altLang="en-US" b="0" i="0" dirty="0">
+                <a:solidFill>
+                  <a:srgbClr val="000000"/>
+                </a:solidFill>
+                <a:effectLst/>
+                <a:latin typeface="Arial" panose="020B0604020202020204" pitchFamily="34" charset="0"/>
+              </a:rPr>
+              <a:t>年</a:t>
+            </a:r>
+            <a:r>
+              <a:rPr lang="en-US" altLang="zh-CN" b="0" i="0" dirty="0">
+                <a:solidFill>
+                  <a:srgbClr val="000000"/>
+                </a:solidFill>
+                <a:effectLst/>
+                <a:latin typeface="Arial" panose="020B0604020202020204" pitchFamily="34" charset="0"/>
+              </a:rPr>
+              <a:t>5</a:t>
+            </a:r>
+            <a:r>
+              <a:rPr lang="zh-CN" altLang="en-US" b="0" i="0" dirty="0">
+                <a:solidFill>
+                  <a:srgbClr val="000000"/>
+                </a:solidFill>
+                <a:effectLst/>
+                <a:latin typeface="Arial" panose="020B0604020202020204" pitchFamily="34" charset="0"/>
+              </a:rPr>
+              <a:t>月）</a:t>
+            </a:r>
+            <a:endParaRPr lang="zh-CN" altLang="en-US" b="1" dirty="0"/>
           </a:p>
         </p:txBody>
       </p:sp>
@@ -3076,7 +3673,7 @@
           <a:p>
             <a:fld id="{FF733C0F-1980-4DEE-975A-6C817DABA37E}" type="datetimeFigureOut">
               <a:rPr lang="zh-CN" altLang="en-US" smtClean="0"/>
-              <a:t>2020/11/12</a:t>
+              <a:t>2020/11/16</a:t>
             </a:fld>
             <a:endParaRPr lang="zh-CN" altLang="en-US"/>
           </a:p>
@@ -3246,7 +3843,7 @@
           <a:p>
             <a:fld id="{FF733C0F-1980-4DEE-975A-6C817DABA37E}" type="datetimeFigureOut">
               <a:rPr lang="zh-CN" altLang="en-US" smtClean="0"/>
-              <a:t>2020/11/12</a:t>
+              <a:t>2020/11/16</a:t>
             </a:fld>
             <a:endParaRPr lang="zh-CN" altLang="en-US"/>
           </a:p>
@@ -3426,7 +4023,7 @@
           <a:p>
             <a:fld id="{FF733C0F-1980-4DEE-975A-6C817DABA37E}" type="datetimeFigureOut">
               <a:rPr lang="zh-CN" altLang="en-US" smtClean="0"/>
-              <a:t>2020/11/12</a:t>
+              <a:t>2020/11/16</a:t>
             </a:fld>
             <a:endParaRPr lang="zh-CN" altLang="en-US"/>
           </a:p>
@@ -3596,7 +4193,7 @@
           <a:p>
             <a:fld id="{FF733C0F-1980-4DEE-975A-6C817DABA37E}" type="datetimeFigureOut">
               <a:rPr lang="zh-CN" altLang="en-US" smtClean="0"/>
-              <a:t>2020/11/12</a:t>
+              <a:t>2020/11/16</a:t>
             </a:fld>
             <a:endParaRPr lang="zh-CN" altLang="en-US"/>
           </a:p>
@@ -3842,7 +4439,7 @@
           <a:p>
             <a:fld id="{FF733C0F-1980-4DEE-975A-6C817DABA37E}" type="datetimeFigureOut">
               <a:rPr lang="zh-CN" altLang="en-US" smtClean="0"/>
-              <a:t>2020/11/12</a:t>
+              <a:t>2020/11/16</a:t>
             </a:fld>
             <a:endParaRPr lang="zh-CN" altLang="en-US"/>
           </a:p>
@@ -4074,7 +4671,7 @@
           <a:p>
             <a:fld id="{FF733C0F-1980-4DEE-975A-6C817DABA37E}" type="datetimeFigureOut">
               <a:rPr lang="zh-CN" altLang="en-US" smtClean="0"/>
-              <a:t>2020/11/12</a:t>
+              <a:t>2020/11/16</a:t>
             </a:fld>
             <a:endParaRPr lang="zh-CN" altLang="en-US"/>
           </a:p>
@@ -4441,7 +5038,7 @@
           <a:p>
             <a:fld id="{FF733C0F-1980-4DEE-975A-6C817DABA37E}" type="datetimeFigureOut">
               <a:rPr lang="zh-CN" altLang="en-US" smtClean="0"/>
-              <a:t>2020/11/12</a:t>
+              <a:t>2020/11/16</a:t>
             </a:fld>
             <a:endParaRPr lang="zh-CN" altLang="en-US"/>
           </a:p>
@@ -4559,7 +5156,7 @@
           <a:p>
             <a:fld id="{FF733C0F-1980-4DEE-975A-6C817DABA37E}" type="datetimeFigureOut">
               <a:rPr lang="zh-CN" altLang="en-US" smtClean="0"/>
-              <a:t>2020/11/12</a:t>
+              <a:t>2020/11/16</a:t>
             </a:fld>
             <a:endParaRPr lang="zh-CN" altLang="en-US"/>
           </a:p>
@@ -4654,7 +5251,7 @@
           <a:p>
             <a:fld id="{FF733C0F-1980-4DEE-975A-6C817DABA37E}" type="datetimeFigureOut">
               <a:rPr lang="zh-CN" altLang="en-US" smtClean="0"/>
-              <a:t>2020/11/12</a:t>
+              <a:t>2020/11/16</a:t>
             </a:fld>
             <a:endParaRPr lang="zh-CN" altLang="en-US"/>
           </a:p>
@@ -4931,7 +5528,7 @@
           <a:p>
             <a:fld id="{FF733C0F-1980-4DEE-975A-6C817DABA37E}" type="datetimeFigureOut">
               <a:rPr lang="zh-CN" altLang="en-US" smtClean="0"/>
-              <a:t>2020/11/12</a:t>
+              <a:t>2020/11/16</a:t>
             </a:fld>
             <a:endParaRPr lang="zh-CN" altLang="en-US"/>
           </a:p>
@@ -5188,7 +5785,7 @@
           <a:p>
             <a:fld id="{FF733C0F-1980-4DEE-975A-6C817DABA37E}" type="datetimeFigureOut">
               <a:rPr lang="zh-CN" altLang="en-US" smtClean="0"/>
-              <a:t>2020/11/12</a:t>
+              <a:t>2020/11/16</a:t>
             </a:fld>
             <a:endParaRPr lang="zh-CN" altLang="en-US"/>
           </a:p>
@@ -5401,7 +5998,7 @@
           <a:p>
             <a:fld id="{FF733C0F-1980-4DEE-975A-6C817DABA37E}" type="datetimeFigureOut">
               <a:rPr lang="zh-CN" altLang="en-US" smtClean="0"/>
-              <a:t>2020/11/12</a:t>
+              <a:t>2020/11/16</a:t>
             </a:fld>
             <a:endParaRPr lang="zh-CN" altLang="en-US"/>
           </a:p>

--- a/Notes_JHW/中期.pptx
+++ b/Notes_JHW/中期.pptx
@@ -5,15 +5,14 @@
     <p:sldMasterId id="2147483660" r:id="rId1"/>
   </p:sldMasterIdLst>
   <p:notesMasterIdLst>
-    <p:notesMasterId r:id="rId8"/>
+    <p:notesMasterId r:id="rId7"/>
   </p:notesMasterIdLst>
   <p:sldIdLst>
     <p:sldId id="256" r:id="rId2"/>
     <p:sldId id="258" r:id="rId3"/>
-    <p:sldId id="291" r:id="rId4"/>
+    <p:sldId id="265" r:id="rId4"/>
     <p:sldId id="263" r:id="rId5"/>
     <p:sldId id="264" r:id="rId6"/>
-    <p:sldId id="279" r:id="rId7"/>
   </p:sldIdLst>
   <p:sldSz cx="12192000" cy="6858000"/>
   <p:notesSz cx="6858000" cy="9144000"/>
@@ -202,7 +201,7 @@
           <a:p>
             <a:fld id="{638488D8-C6A1-4250-89E7-7B45436B2DC4}" type="datetimeFigureOut">
               <a:rPr lang="zh-CN" altLang="en-US" smtClean="0"/>
-              <a:t>2020/11/30</a:t>
+              <a:t>2020/12/2</a:t>
             </a:fld>
             <a:endParaRPr lang="zh-CN" altLang="en-US"/>
           </a:p>
@@ -514,6 +513,18 @@
           <a:lstStyle/>
           <a:p>
             <a:r>
+              <a:rPr lang="zh-CN" altLang="en-US" dirty="0"/>
+              <a:t>请大家准备好</a:t>
+            </a:r>
+            <a:r>
+              <a:rPr lang="en-US" altLang="zh-CN" dirty="0"/>
+              <a:t>PPT</a:t>
+            </a:r>
+            <a:r>
+              <a:rPr lang="zh-CN" altLang="en-US" dirty="0"/>
+              <a:t>（</a:t>
+            </a:r>
+            <a:r>
               <a:rPr lang="en-US" altLang="zh-CN" dirty="0"/>
               <a:t>3</a:t>
             </a:r>
@@ -527,7 +538,47 @@
             </a:r>
             <a:r>
               <a:rPr lang="zh-CN" altLang="en-US" dirty="0"/>
-              <a:t>分钟问答，主要讲这半年做了什么，有什么进展，存在什么问题，带科研训练记录表</a:t>
+              <a:t>分钟问答，主要讲这半年做了什么，有什么进展，存在什么问题），带科研训练记录本和中期检查表。测控</a:t>
+            </a:r>
+            <a:r>
+              <a:rPr lang="en-US" altLang="zh-CN" dirty="0"/>
+              <a:t>13:45</a:t>
+            </a:r>
+            <a:r>
+              <a:rPr lang="zh-CN" altLang="en-US" dirty="0"/>
+              <a:t>在</a:t>
+            </a:r>
+            <a:r>
+              <a:rPr lang="zh-CN" altLang="en-US" b="0" dirty="0"/>
+              <a:t>周楼</a:t>
+            </a:r>
+            <a:r>
+              <a:rPr lang="en-US" altLang="zh-CN" b="0" dirty="0"/>
+              <a:t>107</a:t>
+            </a:r>
+            <a:r>
+              <a:rPr lang="zh-CN" altLang="en-US" b="0" dirty="0"/>
+              <a:t>开始，请提前</a:t>
+            </a:r>
+            <a:r>
+              <a:rPr lang="en-US" altLang="zh-CN" b="0" dirty="0"/>
+              <a:t>15</a:t>
+            </a:r>
+            <a:r>
+              <a:rPr lang="zh-CN" altLang="en-US" b="0" dirty="0"/>
+              <a:t>分钟到达</a:t>
+            </a:r>
+            <a:r>
+              <a:rPr lang="zh-CN" altLang="en-US" dirty="0"/>
+              <a:t>，拷好</a:t>
+            </a:r>
+            <a:r>
+              <a:rPr lang="en-US" altLang="zh-CN" dirty="0"/>
+              <a:t>ppt</a:t>
+            </a:r>
+            <a:r>
+              <a:rPr lang="zh-CN" altLang="en-US" dirty="0"/>
+              <a:t>。</a:t>
             </a:r>
             <a:endParaRPr lang="en-US" altLang="zh-CN" dirty="0"/>
           </a:p>
@@ -613,291 +664,10 @@
           <a:bodyPr/>
           <a:lstStyle/>
           <a:p>
-            <a:endParaRPr lang="en-US" altLang="zh-CN" b="1" dirty="0"/>
-          </a:p>
-          <a:p>
             <a:r>
               <a:rPr lang="zh-CN" altLang="en-US" b="1" dirty="0"/>
-              <a:t>项目研究进展情况：</a:t>
-            </a:r>
-            <a:endParaRPr lang="en-US" altLang="zh-CN" b="1" dirty="0"/>
-          </a:p>
-          <a:p>
-            <a:r>
-              <a:rPr lang="zh-CN" altLang="en-US" b="1" dirty="0"/>
-              <a:t>项目研究已取得阶段性成果和收获：</a:t>
-            </a:r>
-            <a:endParaRPr lang="en-US" altLang="zh-CN" b="1" dirty="0"/>
-          </a:p>
-          <a:p>
-            <a:r>
-              <a:rPr lang="en-US" altLang="zh-CN" b="0" i="0" dirty="0">
-                <a:solidFill>
-                  <a:srgbClr val="000000"/>
-                </a:solidFill>
-                <a:effectLst/>
-                <a:latin typeface="Arial" panose="020B0604020202020204" pitchFamily="34" charset="0"/>
-              </a:rPr>
-              <a:t> </a:t>
-            </a:r>
-            <a:endParaRPr lang="en-US" altLang="zh-CN" dirty="0"/>
-          </a:p>
-          <a:p>
-            <a:r>
-              <a:rPr lang="zh-CN" altLang="en-US" b="1" i="0" dirty="0">
-                <a:solidFill>
-                  <a:srgbClr val="3E3E3E"/>
-                </a:solidFill>
-                <a:effectLst/>
-                <a:latin typeface="微软雅黑" panose="020B0503020204020204" pitchFamily="34" charset="-122"/>
-                <a:ea typeface="微软雅黑" panose="020B0503020204020204" pitchFamily="34" charset="-122"/>
-              </a:rPr>
-              <a:t>项目研究存在的主要问题分析及应对思路与措施：</a:t>
-            </a:r>
-            <a:br>
-              <a:rPr lang="en-US" altLang="zh-CN" b="1" i="0" dirty="0">
-                <a:solidFill>
-                  <a:srgbClr val="3E3E3E"/>
-                </a:solidFill>
-                <a:effectLst/>
-                <a:latin typeface="微软雅黑" panose="020B0503020204020204" pitchFamily="34" charset="-122"/>
-                <a:ea typeface="微软雅黑" panose="020B0503020204020204" pitchFamily="34" charset="-122"/>
-              </a:rPr>
-            </a:br>
-            <a:endParaRPr lang="en-US" altLang="zh-CN" b="1" i="0" dirty="0">
-              <a:solidFill>
-                <a:srgbClr val="3E3E3E"/>
-              </a:solidFill>
-              <a:effectLst/>
-              <a:latin typeface="微软雅黑" panose="020B0503020204020204" pitchFamily="34" charset="-122"/>
-              <a:ea typeface="微软雅黑" panose="020B0503020204020204" pitchFamily="34" charset="-122"/>
-            </a:endParaRPr>
-          </a:p>
-          <a:p>
-            <a:r>
-              <a:rPr lang="zh-CN" altLang="en-US" b="1" i="0" dirty="0">
-                <a:solidFill>
-                  <a:srgbClr val="3E3E3E"/>
-                </a:solidFill>
-                <a:effectLst/>
-                <a:latin typeface="微软雅黑" panose="020B0503020204020204" pitchFamily="34" charset="-122"/>
-                <a:ea typeface="微软雅黑" panose="020B0503020204020204" pitchFamily="34" charset="-122"/>
-              </a:rPr>
-              <a:t>项目研究下阶段主要任务及时间进度安排：</a:t>
-            </a:r>
-            <a:endParaRPr lang="en-US" altLang="zh-CN" b="1" i="0" dirty="0">
-              <a:solidFill>
-                <a:srgbClr val="3E3E3E"/>
-              </a:solidFill>
-              <a:effectLst/>
-              <a:latin typeface="微软雅黑" panose="020B0503020204020204" pitchFamily="34" charset="-122"/>
-              <a:ea typeface="微软雅黑" panose="020B0503020204020204" pitchFamily="34" charset="-122"/>
-            </a:endParaRPr>
-          </a:p>
-          <a:p>
-            <a:r>
-              <a:rPr lang="zh-CN" altLang="en-US" b="0" i="0" dirty="0">
-                <a:solidFill>
-                  <a:srgbClr val="000000"/>
-                </a:solidFill>
-                <a:effectLst/>
-                <a:latin typeface="Arial" panose="020B0604020202020204" pitchFamily="34" charset="0"/>
-              </a:rPr>
-              <a:t>搭建并训练模型，完成句法分析部分的测试，进行句法可视化。（</a:t>
-            </a:r>
-            <a:r>
-              <a:rPr lang="en-US" altLang="zh-CN" b="0" i="0" dirty="0">
-                <a:solidFill>
-                  <a:srgbClr val="000000"/>
-                </a:solidFill>
-                <a:effectLst/>
-                <a:latin typeface="Arial" panose="020B0604020202020204" pitchFamily="34" charset="0"/>
-              </a:rPr>
-              <a:t>2020</a:t>
-            </a:r>
-            <a:r>
-              <a:rPr lang="zh-CN" altLang="en-US" b="0" i="0" dirty="0">
-                <a:solidFill>
-                  <a:srgbClr val="000000"/>
-                </a:solidFill>
-                <a:effectLst/>
-                <a:latin typeface="Arial" panose="020B0604020202020204" pitchFamily="34" charset="0"/>
-              </a:rPr>
-              <a:t>年</a:t>
-            </a:r>
-            <a:r>
-              <a:rPr lang="en-US" altLang="zh-CN" b="0" i="0" dirty="0">
-                <a:solidFill>
-                  <a:srgbClr val="000000"/>
-                </a:solidFill>
-                <a:effectLst/>
-                <a:latin typeface="Arial" panose="020B0604020202020204" pitchFamily="34" charset="0"/>
-              </a:rPr>
-              <a:t>11</a:t>
-            </a:r>
-            <a:r>
-              <a:rPr lang="zh-CN" altLang="en-US" b="0" i="0" dirty="0">
-                <a:solidFill>
-                  <a:srgbClr val="000000"/>
-                </a:solidFill>
-                <a:effectLst/>
-                <a:latin typeface="Arial" panose="020B0604020202020204" pitchFamily="34" charset="0"/>
-              </a:rPr>
-              <a:t>月</a:t>
-            </a:r>
-            <a:r>
-              <a:rPr lang="en-US" altLang="zh-CN" b="0" i="0" dirty="0">
-                <a:solidFill>
-                  <a:srgbClr val="000000"/>
-                </a:solidFill>
-                <a:effectLst/>
-                <a:latin typeface="Arial" panose="020B0604020202020204" pitchFamily="34" charset="0"/>
-              </a:rPr>
-              <a:t>~2021</a:t>
-            </a:r>
-            <a:r>
-              <a:rPr lang="zh-CN" altLang="en-US" b="0" i="0" dirty="0">
-                <a:solidFill>
-                  <a:srgbClr val="000000"/>
-                </a:solidFill>
-                <a:effectLst/>
-                <a:latin typeface="Arial" panose="020B0604020202020204" pitchFamily="34" charset="0"/>
-              </a:rPr>
-              <a:t>年</a:t>
-            </a:r>
-            <a:r>
-              <a:rPr lang="en-US" altLang="zh-CN" b="0" i="0" dirty="0">
-                <a:solidFill>
-                  <a:srgbClr val="000000"/>
-                </a:solidFill>
-                <a:effectLst/>
-                <a:latin typeface="Arial" panose="020B0604020202020204" pitchFamily="34" charset="0"/>
-              </a:rPr>
-              <a:t>1</a:t>
-            </a:r>
-            <a:r>
-              <a:rPr lang="zh-CN" altLang="en-US" b="0" i="0" dirty="0">
-                <a:solidFill>
-                  <a:srgbClr val="000000"/>
-                </a:solidFill>
-                <a:effectLst/>
-                <a:latin typeface="Arial" panose="020B0604020202020204" pitchFamily="34" charset="0"/>
-              </a:rPr>
-              <a:t>月）</a:t>
-            </a:r>
-            <a:br>
-              <a:rPr lang="zh-CN" altLang="en-US" dirty="0"/>
-            </a:br>
-            <a:r>
-              <a:rPr lang="zh-CN" altLang="en-US" b="0" i="0" dirty="0">
-                <a:solidFill>
-                  <a:srgbClr val="000000"/>
-                </a:solidFill>
-                <a:effectLst/>
-                <a:latin typeface="Arial" panose="020B0604020202020204" pitchFamily="34" charset="0"/>
-              </a:rPr>
-              <a:t>产品的进一步功能实现及优化、测试、部署等。（</a:t>
-            </a:r>
-            <a:r>
-              <a:rPr lang="en-US" altLang="zh-CN" b="0" i="0" dirty="0">
-                <a:solidFill>
-                  <a:srgbClr val="000000"/>
-                </a:solidFill>
-                <a:effectLst/>
-                <a:latin typeface="Arial" panose="020B0604020202020204" pitchFamily="34" charset="0"/>
-              </a:rPr>
-              <a:t>2021</a:t>
-            </a:r>
-            <a:r>
-              <a:rPr lang="zh-CN" altLang="en-US" b="0" i="0" dirty="0">
-                <a:solidFill>
-                  <a:srgbClr val="000000"/>
-                </a:solidFill>
-                <a:effectLst/>
-                <a:latin typeface="Arial" panose="020B0604020202020204" pitchFamily="34" charset="0"/>
-              </a:rPr>
-              <a:t>年</a:t>
-            </a:r>
-            <a:r>
-              <a:rPr lang="en-US" altLang="zh-CN" b="0" i="0" dirty="0">
-                <a:solidFill>
-                  <a:srgbClr val="000000"/>
-                </a:solidFill>
-                <a:effectLst/>
-                <a:latin typeface="Arial" panose="020B0604020202020204" pitchFamily="34" charset="0"/>
-              </a:rPr>
-              <a:t>1</a:t>
-            </a:r>
-            <a:r>
-              <a:rPr lang="zh-CN" altLang="en-US" b="0" i="0" dirty="0">
-                <a:solidFill>
-                  <a:srgbClr val="000000"/>
-                </a:solidFill>
-                <a:effectLst/>
-                <a:latin typeface="Arial" panose="020B0604020202020204" pitchFamily="34" charset="0"/>
-              </a:rPr>
-              <a:t>月</a:t>
-            </a:r>
-            <a:r>
-              <a:rPr lang="en-US" altLang="zh-CN" b="0" i="0" dirty="0">
-                <a:solidFill>
-                  <a:srgbClr val="000000"/>
-                </a:solidFill>
-                <a:effectLst/>
-                <a:latin typeface="Arial" panose="020B0604020202020204" pitchFamily="34" charset="0"/>
-              </a:rPr>
-              <a:t>~2021</a:t>
-            </a:r>
-            <a:r>
-              <a:rPr lang="zh-CN" altLang="en-US" b="0" i="0" dirty="0">
-                <a:solidFill>
-                  <a:srgbClr val="000000"/>
-                </a:solidFill>
-                <a:effectLst/>
-                <a:latin typeface="Arial" panose="020B0604020202020204" pitchFamily="34" charset="0"/>
-              </a:rPr>
-              <a:t>年</a:t>
-            </a:r>
-            <a:r>
-              <a:rPr lang="en-US" altLang="zh-CN" b="0" i="0" dirty="0">
-                <a:solidFill>
-                  <a:srgbClr val="000000"/>
-                </a:solidFill>
-                <a:effectLst/>
-                <a:latin typeface="Arial" panose="020B0604020202020204" pitchFamily="34" charset="0"/>
-              </a:rPr>
-              <a:t>5</a:t>
-            </a:r>
-            <a:r>
-              <a:rPr lang="zh-CN" altLang="en-US" b="0" i="0" dirty="0">
-                <a:solidFill>
-                  <a:srgbClr val="000000"/>
-                </a:solidFill>
-                <a:effectLst/>
-                <a:latin typeface="Arial" panose="020B0604020202020204" pitchFamily="34" charset="0"/>
-              </a:rPr>
-              <a:t>月）</a:t>
-            </a:r>
-            <a:endParaRPr lang="zh-CN" altLang="en-US" b="1" dirty="0"/>
-          </a:p>
-          <a:p>
-            <a:pPr marL="0" marR="0" lvl="0" indent="0" algn="l" defTabSz="914400" rtl="0" eaLnBrk="1" fontAlgn="auto" latinLnBrk="0" hangingPunct="1">
-              <a:lnSpc>
-                <a:spcPct val="100000"/>
-              </a:lnSpc>
-              <a:spcBef>
-                <a:spcPts val="0"/>
-              </a:spcBef>
-              <a:spcAft>
-                <a:spcPts val="0"/>
-              </a:spcAft>
-              <a:buClrTx/>
-              <a:buSzTx/>
-              <a:buFontTx/>
-              <a:buNone/>
-              <a:tabLst/>
-              <a:defRPr/>
-            </a:pPr>
+              <a:t>做了什么，有什么进展</a:t>
+            </a:r>
             <a:endParaRPr lang="en-US" altLang="zh-CN" dirty="0"/>
           </a:p>
         </p:txBody>
@@ -982,23 +752,10 @@
           <a:bodyPr/>
           <a:lstStyle/>
           <a:p>
-            <a:pPr marL="0" marR="0" lvl="0" indent="0" algn="l" defTabSz="914400" rtl="0" eaLnBrk="1" fontAlgn="auto" latinLnBrk="0" hangingPunct="1">
-              <a:lnSpc>
-                <a:spcPct val="100000"/>
-              </a:lnSpc>
-              <a:spcBef>
-                <a:spcPts val="0"/>
-              </a:spcBef>
-              <a:spcAft>
-                <a:spcPts val="0"/>
-              </a:spcAft>
-              <a:buClrTx/>
-              <a:buSzTx/>
-              <a:buFontTx/>
-              <a:buNone/>
-              <a:tabLst/>
-              <a:defRPr/>
-            </a:pPr>
+            <a:r>
+              <a:rPr lang="zh-CN" altLang="en-US" b="1" dirty="0"/>
+              <a:t>做了什么，有什么进展</a:t>
+            </a:r>
             <a:endParaRPr lang="en-US" altLang="zh-CN" dirty="0"/>
           </a:p>
         </p:txBody>
@@ -1029,7 +786,7 @@
     </p:spTree>
     <p:extLst>
       <p:ext uri="{BB962C8B-B14F-4D97-AF65-F5344CB8AC3E}">
-        <p14:creationId xmlns:p14="http://schemas.microsoft.com/office/powerpoint/2010/main" val="1070413804"/>
+        <p14:creationId xmlns:p14="http://schemas.microsoft.com/office/powerpoint/2010/main" val="1056052839"/>
       </p:ext>
     </p:extLst>
   </p:cSld>
@@ -1083,7 +840,11 @@
           <a:bodyPr/>
           <a:lstStyle/>
           <a:p>
-            <a:endParaRPr lang="en-US" altLang="zh-CN" dirty="0"/>
+            <a:r>
+              <a:rPr lang="zh-CN" altLang="en-US" b="1" dirty="0"/>
+              <a:t>存在什么问题</a:t>
+            </a:r>
+            <a:endParaRPr lang="en-US" altLang="zh-CN" b="1" dirty="0"/>
           </a:p>
         </p:txBody>
       </p:sp>
@@ -1207,93 +968,6 @@
 </p:notes>
 </file>
 
-<file path=ppt/notesSlides/notesSlide6.xml><?xml version="1.0" encoding="utf-8"?>
-<p:notes xmlns:a="http://schemas.openxmlformats.org/drawingml/2006/main" xmlns:r="http://schemas.openxmlformats.org/officeDocument/2006/relationships" xmlns:p="http://schemas.openxmlformats.org/presentationml/2006/main">
-  <p:cSld>
-    <p:spTree>
-      <p:nvGrpSpPr>
-        <p:cNvPr id="1" name=""/>
-        <p:cNvGrpSpPr/>
-        <p:nvPr/>
-      </p:nvGrpSpPr>
-      <p:grpSpPr>
-        <a:xfrm>
-          <a:off x="0" y="0"/>
-          <a:ext cx="0" cy="0"/>
-          <a:chOff x="0" y="0"/>
-          <a:chExt cx="0" cy="0"/>
-        </a:xfrm>
-      </p:grpSpPr>
-      <p:sp>
-        <p:nvSpPr>
-          <p:cNvPr id="2" name="幻灯片图像占位符 1"/>
-          <p:cNvSpPr>
-            <a:spLocks noGrp="1" noRot="1" noChangeAspect="1"/>
-          </p:cNvSpPr>
-          <p:nvPr>
-            <p:ph type="sldImg"/>
-          </p:nvPr>
-        </p:nvSpPr>
-        <p:spPr/>
-      </p:sp>
-      <p:sp>
-        <p:nvSpPr>
-          <p:cNvPr id="3" name="备注占位符 2"/>
-          <p:cNvSpPr>
-            <a:spLocks noGrp="1"/>
-          </p:cNvSpPr>
-          <p:nvPr>
-            <p:ph type="body" idx="1"/>
-          </p:nvPr>
-        </p:nvSpPr>
-        <p:spPr/>
-        <p:txBody>
-          <a:bodyPr/>
-          <a:lstStyle/>
-          <a:p>
-            <a:endParaRPr lang="en-US" altLang="zh-CN" sz="1800" dirty="0">
-              <a:latin typeface="宋体" panose="02010600030101010101" pitchFamily="2" charset="-122"/>
-              <a:ea typeface="宋体" panose="02010600030101010101" pitchFamily="2" charset="-122"/>
-            </a:endParaRPr>
-          </a:p>
-        </p:txBody>
-      </p:sp>
-      <p:sp>
-        <p:nvSpPr>
-          <p:cNvPr id="4" name="灯片编号占位符 3"/>
-          <p:cNvSpPr>
-            <a:spLocks noGrp="1"/>
-          </p:cNvSpPr>
-          <p:nvPr>
-            <p:ph type="sldNum" sz="quarter" idx="5"/>
-          </p:nvPr>
-        </p:nvSpPr>
-        <p:spPr/>
-        <p:txBody>
-          <a:bodyPr/>
-          <a:lstStyle/>
-          <a:p>
-            <a:fld id="{76088DCD-DF25-40CD-BEBC-989B77D0E788}" type="slidenum">
-              <a:rPr lang="zh-CN" altLang="en-US" smtClean="0"/>
-              <a:t>6</a:t>
-            </a:fld>
-            <a:endParaRPr lang="zh-CN" altLang="en-US"/>
-          </a:p>
-        </p:txBody>
-      </p:sp>
-    </p:spTree>
-    <p:extLst>
-      <p:ext uri="{BB962C8B-B14F-4D97-AF65-F5344CB8AC3E}">
-        <p14:creationId xmlns:p14="http://schemas.microsoft.com/office/powerpoint/2010/main" val="1008973901"/>
-      </p:ext>
-    </p:extLst>
-  </p:cSld>
-  <p:clrMapOvr>
-    <a:masterClrMapping/>
-  </p:clrMapOvr>
-</p:notes>
-</file>
-
 <file path=ppt/slideLayouts/slideLayout1.xml><?xml version="1.0" encoding="utf-8"?>
 <p:sldLayout xmlns:a="http://schemas.openxmlformats.org/drawingml/2006/main" xmlns:r="http://schemas.openxmlformats.org/officeDocument/2006/relationships" xmlns:p="http://schemas.openxmlformats.org/presentationml/2006/main" type="title" preserve="1">
   <p:cSld name="标题幻灯片">
@@ -1425,7 +1099,7 @@
           <a:p>
             <a:fld id="{FF733C0F-1980-4DEE-975A-6C817DABA37E}" type="datetimeFigureOut">
               <a:rPr lang="zh-CN" altLang="en-US" smtClean="0"/>
-              <a:t>2020/11/30</a:t>
+              <a:t>2020/12/2</a:t>
             </a:fld>
             <a:endParaRPr lang="zh-CN" altLang="en-US"/>
           </a:p>
@@ -1595,7 +1269,7 @@
           <a:p>
             <a:fld id="{FF733C0F-1980-4DEE-975A-6C817DABA37E}" type="datetimeFigureOut">
               <a:rPr lang="zh-CN" altLang="en-US" smtClean="0"/>
-              <a:t>2020/11/30</a:t>
+              <a:t>2020/12/2</a:t>
             </a:fld>
             <a:endParaRPr lang="zh-CN" altLang="en-US"/>
           </a:p>
@@ -1775,7 +1449,7 @@
           <a:p>
             <a:fld id="{FF733C0F-1980-4DEE-975A-6C817DABA37E}" type="datetimeFigureOut">
               <a:rPr lang="zh-CN" altLang="en-US" smtClean="0"/>
-              <a:t>2020/11/30</a:t>
+              <a:t>2020/12/2</a:t>
             </a:fld>
             <a:endParaRPr lang="zh-CN" altLang="en-US"/>
           </a:p>
@@ -1945,7 +1619,7 @@
           <a:p>
             <a:fld id="{FF733C0F-1980-4DEE-975A-6C817DABA37E}" type="datetimeFigureOut">
               <a:rPr lang="zh-CN" altLang="en-US" smtClean="0"/>
-              <a:t>2020/11/30</a:t>
+              <a:t>2020/12/2</a:t>
             </a:fld>
             <a:endParaRPr lang="zh-CN" altLang="en-US"/>
           </a:p>
@@ -2191,7 +1865,7 @@
           <a:p>
             <a:fld id="{FF733C0F-1980-4DEE-975A-6C817DABA37E}" type="datetimeFigureOut">
               <a:rPr lang="zh-CN" altLang="en-US" smtClean="0"/>
-              <a:t>2020/11/30</a:t>
+              <a:t>2020/12/2</a:t>
             </a:fld>
             <a:endParaRPr lang="zh-CN" altLang="en-US"/>
           </a:p>
@@ -2423,7 +2097,7 @@
           <a:p>
             <a:fld id="{FF733C0F-1980-4DEE-975A-6C817DABA37E}" type="datetimeFigureOut">
               <a:rPr lang="zh-CN" altLang="en-US" smtClean="0"/>
-              <a:t>2020/11/30</a:t>
+              <a:t>2020/12/2</a:t>
             </a:fld>
             <a:endParaRPr lang="zh-CN" altLang="en-US"/>
           </a:p>
@@ -2790,7 +2464,7 @@
           <a:p>
             <a:fld id="{FF733C0F-1980-4DEE-975A-6C817DABA37E}" type="datetimeFigureOut">
               <a:rPr lang="zh-CN" altLang="en-US" smtClean="0"/>
-              <a:t>2020/11/30</a:t>
+              <a:t>2020/12/2</a:t>
             </a:fld>
             <a:endParaRPr lang="zh-CN" altLang="en-US"/>
           </a:p>
@@ -2908,7 +2582,7 @@
           <a:p>
             <a:fld id="{FF733C0F-1980-4DEE-975A-6C817DABA37E}" type="datetimeFigureOut">
               <a:rPr lang="zh-CN" altLang="en-US" smtClean="0"/>
-              <a:t>2020/11/30</a:t>
+              <a:t>2020/12/2</a:t>
             </a:fld>
             <a:endParaRPr lang="zh-CN" altLang="en-US"/>
           </a:p>
@@ -3003,7 +2677,7 @@
           <a:p>
             <a:fld id="{FF733C0F-1980-4DEE-975A-6C817DABA37E}" type="datetimeFigureOut">
               <a:rPr lang="zh-CN" altLang="en-US" smtClean="0"/>
-              <a:t>2020/11/30</a:t>
+              <a:t>2020/12/2</a:t>
             </a:fld>
             <a:endParaRPr lang="zh-CN" altLang="en-US"/>
           </a:p>
@@ -3280,7 +2954,7 @@
           <a:p>
             <a:fld id="{FF733C0F-1980-4DEE-975A-6C817DABA37E}" type="datetimeFigureOut">
               <a:rPr lang="zh-CN" altLang="en-US" smtClean="0"/>
-              <a:t>2020/11/30</a:t>
+              <a:t>2020/12/2</a:t>
             </a:fld>
             <a:endParaRPr lang="zh-CN" altLang="en-US"/>
           </a:p>
@@ -3537,7 +3211,7 @@
           <a:p>
             <a:fld id="{FF733C0F-1980-4DEE-975A-6C817DABA37E}" type="datetimeFigureOut">
               <a:rPr lang="zh-CN" altLang="en-US" smtClean="0"/>
-              <a:t>2020/11/30</a:t>
+              <a:t>2020/12/2</a:t>
             </a:fld>
             <a:endParaRPr lang="zh-CN" altLang="en-US"/>
           </a:p>
@@ -3750,7 +3424,7 @@
           <a:p>
             <a:fld id="{FF733C0F-1980-4DEE-975A-6C817DABA37E}" type="datetimeFigureOut">
               <a:rPr lang="zh-CN" altLang="en-US" smtClean="0"/>
-              <a:t>2020/11/30</a:t>
+              <a:t>2020/12/2</a:t>
             </a:fld>
             <a:endParaRPr lang="zh-CN" altLang="en-US"/>
           </a:p>
@@ -4427,8 +4101,8 @@
         </p:nvSpPr>
         <p:spPr>
           <a:xfrm>
-            <a:off x="721950" y="1912352"/>
-            <a:ext cx="10501108" cy="2438268"/>
+            <a:off x="577302" y="1666376"/>
+            <a:ext cx="11037395" cy="3525247"/>
           </a:xfrm>
         </p:spPr>
         <p:txBody>
@@ -4437,6 +4111,11 @@
           </a:bodyPr>
           <a:lstStyle/>
           <a:p>
+            <a:pPr>
+              <a:lnSpc>
+                <a:spcPct val="200000"/>
+              </a:lnSpc>
+            </a:pPr>
             <a:r>
               <a:rPr lang="zh-CN" altLang="en-US" b="0" i="0" dirty="0">
                 <a:solidFill>
@@ -4445,7 +4124,7 @@
                 <a:effectLst/>
                 <a:latin typeface="Arial" panose="020B0604020202020204" pitchFamily="34" charset="0"/>
               </a:rPr>
-              <a:t>借助网络资料，对神经网络和自然语言处理相关知识的学习。</a:t>
+              <a:t>借助资料，对自然语言处理相关知识的学习。</a:t>
             </a:r>
             <a:endParaRPr lang="en-US" altLang="zh-CN" b="0" i="0" dirty="0">
               <a:solidFill>
@@ -4456,6 +4135,11 @@
             </a:endParaRPr>
           </a:p>
           <a:p>
+            <a:pPr>
+              <a:lnSpc>
+                <a:spcPct val="200000"/>
+              </a:lnSpc>
+            </a:pPr>
             <a:r>
               <a:rPr lang="zh-CN" altLang="en-US" b="0" i="0" dirty="0">
                 <a:solidFill>
@@ -4464,7 +4148,26 @@
                 <a:effectLst/>
                 <a:latin typeface="Arial" panose="020B0604020202020204" pitchFamily="34" charset="0"/>
               </a:rPr>
-              <a:t>阅读资料和查看文献完成知识储备的同时，关注一些相关的研究成果，进行模型的初步搭建。</a:t>
+              <a:t>阅读资料、查看文献，关注相关研究成果，进行模型的</a:t>
+            </a:r>
+            <a:r>
+              <a:rPr lang="zh-CN" altLang="en-US" dirty="0">
+                <a:solidFill>
+                  <a:srgbClr val="000000"/>
+                </a:solidFill>
+                <a:latin typeface="Arial" panose="020B0604020202020204" pitchFamily="34" charset="0"/>
+              </a:rPr>
+              <a:t>选择</a:t>
+            </a:r>
+            <a:r>
+              <a:rPr lang="zh-CN" altLang="en-US" b="0" i="0" dirty="0">
+                <a:solidFill>
+                  <a:srgbClr val="000000"/>
+                </a:solidFill>
+                <a:effectLst/>
+                <a:latin typeface="Arial" panose="020B0604020202020204" pitchFamily="34" charset="0"/>
+              </a:rPr>
+              <a:t>。</a:t>
             </a:r>
             <a:endParaRPr lang="en-US" altLang="zh-CN" b="0" i="0" dirty="0">
               <a:solidFill>
@@ -4475,17 +4178,66 @@
             </a:endParaRPr>
           </a:p>
           <a:p>
-            <a:r>
-              <a:rPr lang="zh-CN" altLang="en-US" b="0" i="0" dirty="0">
-                <a:solidFill>
-                  <a:srgbClr val="000000"/>
-                </a:solidFill>
-                <a:effectLst/>
-                <a:latin typeface="Arial" panose="020B0604020202020204" pitchFamily="34" charset="0"/>
+            <a:pPr lvl="1">
+              <a:lnSpc>
+                <a:spcPct val="200000"/>
+              </a:lnSpc>
+            </a:pPr>
+            <a:r>
+              <a:rPr kumimoji="1" lang="en-US" altLang="zh-CN" sz="2400" dirty="0">
+                <a:latin typeface="Microsoft YaHei" panose="020B0503020204020204" pitchFamily="34" charset="-122"/>
+                <a:ea typeface="Microsoft YaHei" panose="020B0503020204020204" pitchFamily="34" charset="-122"/>
               </a:rPr>
-              <a:t>搭建并训练模型，完成句法分析部分的测试。</a:t>
-            </a:r>
-            <a:endParaRPr lang="en-US" altLang="zh-CN" dirty="0"/>
+              <a:t>RNNG</a:t>
+            </a:r>
+            <a:r>
+              <a:rPr kumimoji="1" lang="zh-CN" altLang="en-US" sz="2400" dirty="0">
+                <a:latin typeface="Microsoft YaHei" panose="020B0503020204020204" pitchFamily="34" charset="-122"/>
+                <a:ea typeface="Microsoft YaHei" panose="020B0503020204020204" pitchFamily="34" charset="-122"/>
+              </a:rPr>
+              <a:t>（</a:t>
+            </a:r>
+            <a:r>
+              <a:rPr kumimoji="1" lang="en-US" altLang="zh-CN" sz="2400" dirty="0">
+                <a:latin typeface="Microsoft YaHei" panose="020B0503020204020204" pitchFamily="34" charset="-122"/>
+                <a:ea typeface="Microsoft YaHei" panose="020B0503020204020204" pitchFamily="34" charset="-122"/>
+              </a:rPr>
+              <a:t>Recurrent Neural Network Grammars</a:t>
+            </a:r>
+            <a:r>
+              <a:rPr kumimoji="1" lang="zh-CN" altLang="en-US" sz="2400" dirty="0">
+                <a:latin typeface="Microsoft YaHei" panose="020B0503020204020204" pitchFamily="34" charset="-122"/>
+                <a:ea typeface="Microsoft YaHei" panose="020B0503020204020204" pitchFamily="34" charset="-122"/>
+              </a:rPr>
+              <a:t>）</a:t>
+            </a:r>
+            <a:r>
+              <a:rPr lang="zh-CN" altLang="zh-CN" sz="1800" b="1" dirty="0"/>
+              <a:t> </a:t>
+            </a:r>
+            <a:r>
+              <a:rPr lang="zh-CN" altLang="zh-CN" sz="1800" dirty="0"/>
+              <a:t>[NAACL16]</a:t>
+            </a:r>
+            <a:endParaRPr kumimoji="1" lang="en-US" altLang="zh-CN" sz="1200" dirty="0">
+              <a:latin typeface="Microsoft YaHei" panose="020B0503020204020204" pitchFamily="34" charset="-122"/>
+              <a:ea typeface="Microsoft YaHei" panose="020B0503020204020204" pitchFamily="34" charset="-122"/>
+            </a:endParaRPr>
+          </a:p>
+          <a:p>
+            <a:pPr marL="457200" lvl="1" indent="0">
+              <a:lnSpc>
+                <a:spcPct val="200000"/>
+              </a:lnSpc>
+              <a:buNone/>
+            </a:pPr>
+            <a:endParaRPr lang="en-US" altLang="zh-CN" b="0" i="0" dirty="0">
+              <a:solidFill>
+                <a:srgbClr val="000000"/>
+              </a:solidFill>
+              <a:effectLst/>
+              <a:latin typeface="Arial" panose="020B0604020202020204" pitchFamily="34" charset="0"/>
+            </a:endParaRPr>
           </a:p>
         </p:txBody>
       </p:sp>
@@ -4622,7 +4374,7 @@
         <p:spPr>
           <a:xfrm>
             <a:off x="187326" y="169863"/>
-            <a:ext cx="1752819" cy="514350"/>
+            <a:ext cx="5054899" cy="514350"/>
           </a:xfrm>
           <a:prstGeom prst="rect">
             <a:avLst/>
@@ -4707,8 +4459,8 @@
         </p:nvSpPr>
         <p:spPr>
           <a:xfrm>
-            <a:off x="770076" y="2004747"/>
-            <a:ext cx="10943870" cy="2182244"/>
+            <a:off x="625518" y="1374557"/>
+            <a:ext cx="10940963" cy="4108886"/>
           </a:xfrm>
         </p:spPr>
         <p:txBody>
@@ -4717,44 +4469,11 @@
           </a:bodyPr>
           <a:lstStyle/>
           <a:p>
-            <a:r>
-              <a:rPr lang="zh-CN" altLang="en-US" b="0" i="0" dirty="0">
-                <a:solidFill>
-                  <a:srgbClr val="000000"/>
-                </a:solidFill>
-                <a:effectLst/>
-                <a:latin typeface="Arial" panose="020B0604020202020204" pitchFamily="34" charset="0"/>
-              </a:rPr>
-              <a:t>借助网络资料，对神经网络和自然语言处理相关知识的学习。</a:t>
-            </a:r>
-            <a:endParaRPr lang="en-US" altLang="zh-CN" b="0" i="0" dirty="0">
-              <a:solidFill>
-                <a:srgbClr val="000000"/>
-              </a:solidFill>
-              <a:effectLst/>
-              <a:latin typeface="Arial" panose="020B0604020202020204" pitchFamily="34" charset="0"/>
-            </a:endParaRPr>
-          </a:p>
-          <a:p>
-            <a:r>
-              <a:rPr lang="zh-CN" altLang="en-US" b="0" i="0" dirty="0">
-                <a:solidFill>
-                  <a:srgbClr val="000000"/>
-                </a:solidFill>
-                <a:effectLst/>
-                <a:latin typeface="Arial" panose="020B0604020202020204" pitchFamily="34" charset="0"/>
-              </a:rPr>
-              <a:t>阅读资料和查看文献完成知识储备的同时，关注一些相关的研究成果，进行模型的初步搭建。</a:t>
-            </a:r>
-            <a:endParaRPr lang="en-US" altLang="zh-CN" b="0" i="0" dirty="0">
-              <a:solidFill>
-                <a:srgbClr val="000000"/>
-              </a:solidFill>
-              <a:effectLst/>
-              <a:latin typeface="Arial" panose="020B0604020202020204" pitchFamily="34" charset="0"/>
-            </a:endParaRPr>
-          </a:p>
-          <a:p>
+            <a:pPr>
+              <a:lnSpc>
+                <a:spcPct val="200000"/>
+              </a:lnSpc>
+            </a:pPr>
             <a:r>
               <a:rPr lang="zh-CN" altLang="en-US" b="0" i="0" dirty="0">
                 <a:solidFill>
@@ -4764,6 +4483,23 @@
                 <a:latin typeface="Arial" panose="020B0604020202020204" pitchFamily="34" charset="0"/>
               </a:rPr>
               <a:t>搭建并训练模型，完成句法分析部分的测试。</a:t>
+            </a:r>
+            <a:endParaRPr lang="en-US" altLang="zh-CN" dirty="0"/>
+          </a:p>
+          <a:p>
+            <a:pPr>
+              <a:lnSpc>
+                <a:spcPct val="200000"/>
+              </a:lnSpc>
+            </a:pPr>
+            <a:r>
+              <a:rPr lang="zh-CN" altLang="en-US" dirty="0">
+                <a:solidFill>
+                  <a:srgbClr val="000000"/>
+                </a:solidFill>
+                <a:latin typeface="Arial" panose="020B0604020202020204" pitchFamily="34" charset="0"/>
+              </a:rPr>
+              <a:t>来点图</a:t>
             </a:r>
             <a:endParaRPr lang="en-US" altLang="zh-CN" dirty="0"/>
           </a:p>
@@ -4901,8 +4637,8 @@
         </p:nvSpPr>
         <p:spPr>
           <a:xfrm>
-            <a:off x="187325" y="169863"/>
-            <a:ext cx="3388631" cy="514350"/>
+            <a:off x="187326" y="169863"/>
+            <a:ext cx="5054899" cy="514350"/>
           </a:xfrm>
           <a:prstGeom prst="rect">
             <a:avLst/>
@@ -4942,7 +4678,7 @@
     </p:spTree>
     <p:extLst>
       <p:ext uri="{BB962C8B-B14F-4D97-AF65-F5344CB8AC3E}">
-        <p14:creationId xmlns:p14="http://schemas.microsoft.com/office/powerpoint/2010/main" val="2790293045"/>
+        <p14:creationId xmlns:p14="http://schemas.microsoft.com/office/powerpoint/2010/main" val="2828301771"/>
       </p:ext>
     </p:extLst>
   </p:cSld>
@@ -5251,8 +4987,8 @@
         </p:nvSpPr>
         <p:spPr>
           <a:xfrm>
-            <a:off x="555411" y="1599406"/>
-            <a:ext cx="11081178" cy="3438818"/>
+            <a:off x="607169" y="2201495"/>
+            <a:ext cx="11280032" cy="2455009"/>
           </a:xfrm>
         </p:spPr>
         <p:txBody>
@@ -5263,89 +4999,33 @@
           <a:p>
             <a:pPr>
               <a:lnSpc>
-                <a:spcPct val="150000"/>
+                <a:spcPct val="200000"/>
               </a:lnSpc>
             </a:pPr>
             <a:r>
               <a:rPr lang="zh-CN" altLang="en-US" dirty="0"/>
-              <a:t>完成句法分析部分的测试，进行句法可视化。（</a:t>
+              <a:t>完成句法分析部分，进行句法可视化。</a:t>
             </a:r>
             <a:r>
               <a:rPr lang="en-US" altLang="zh-CN" dirty="0"/>
-              <a:t>2020</a:t>
-            </a:r>
-            <a:r>
-              <a:rPr lang="zh-CN" altLang="en-US" dirty="0"/>
-              <a:t>年</a:t>
-            </a:r>
-            <a:r>
-              <a:rPr lang="en-US" altLang="zh-CN" dirty="0"/>
-              <a:t>11</a:t>
-            </a:r>
-            <a:r>
-              <a:rPr lang="zh-CN" altLang="en-US" dirty="0"/>
-              <a:t>月</a:t>
-            </a:r>
-            <a:r>
-              <a:rPr lang="en-US" altLang="zh-CN" dirty="0"/>
-              <a:t>~2021</a:t>
-            </a:r>
-            <a:r>
-              <a:rPr lang="zh-CN" altLang="en-US" dirty="0"/>
-              <a:t>年</a:t>
-            </a:r>
-            <a:r>
-              <a:rPr lang="en-US" altLang="zh-CN" dirty="0"/>
-              <a:t>1</a:t>
-            </a:r>
-            <a:r>
-              <a:rPr lang="zh-CN" altLang="en-US" dirty="0"/>
-              <a:t>月）</a:t>
-            </a:r>
-            <a:endParaRPr lang="en-US" altLang="zh-CN" dirty="0"/>
+              <a:t>		</a:t>
+            </a:r>
           </a:p>
           <a:p>
             <a:pPr>
               <a:lnSpc>
-                <a:spcPct val="150000"/>
+                <a:spcPct val="200000"/>
               </a:lnSpc>
             </a:pPr>
             <a:r>
               <a:rPr lang="zh-CN" altLang="en-US" dirty="0"/>
-              <a:t>产品的进一步功能实现及优化、测试、部署等。（</a:t>
+              <a:t>产品的进一步功能实现及优化、测试、部署等。</a:t>
             </a:r>
             <a:r>
               <a:rPr lang="en-US" altLang="zh-CN" dirty="0"/>
-              <a:t>2021</a:t>
-            </a:r>
-            <a:r>
-              <a:rPr lang="zh-CN" altLang="en-US" dirty="0"/>
-              <a:t>年</a:t>
-            </a:r>
-            <a:r>
-              <a:rPr lang="en-US" altLang="zh-CN" dirty="0"/>
-              <a:t>1</a:t>
-            </a:r>
-            <a:r>
-              <a:rPr lang="zh-CN" altLang="en-US" dirty="0"/>
-              <a:t>月</a:t>
-            </a:r>
-            <a:r>
-              <a:rPr lang="en-US" altLang="zh-CN" dirty="0"/>
-              <a:t>~2021</a:t>
-            </a:r>
-            <a:r>
-              <a:rPr lang="zh-CN" altLang="en-US" dirty="0"/>
-              <a:t>年</a:t>
-            </a:r>
-            <a:r>
-              <a:rPr lang="en-US" altLang="zh-CN" dirty="0"/>
-              <a:t>5</a:t>
-            </a:r>
-            <a:r>
-              <a:rPr lang="zh-CN" altLang="en-US" dirty="0"/>
-              <a:t>月）</a:t>
-            </a:r>
+              <a:t>	</a:t>
+            </a:r>
+            <a:endParaRPr lang="zh-CN" altLang="en-US" dirty="0"/>
           </a:p>
         </p:txBody>
       </p:sp>
@@ -5523,422 +5203,6 @@
     <p:extLst>
       <p:ext uri="{BB962C8B-B14F-4D97-AF65-F5344CB8AC3E}">
         <p14:creationId xmlns:p14="http://schemas.microsoft.com/office/powerpoint/2010/main" val="2230321019"/>
-      </p:ext>
-    </p:extLst>
-  </p:cSld>
-  <p:clrMapOvr>
-    <a:masterClrMapping/>
-  </p:clrMapOvr>
-</p:sld>
-</file>
-
-<file path=ppt/slides/slide6.xml><?xml version="1.0" encoding="utf-8"?>
-<p:sld xmlns:a="http://schemas.openxmlformats.org/drawingml/2006/main" xmlns:r="http://schemas.openxmlformats.org/officeDocument/2006/relationships" xmlns:p="http://schemas.openxmlformats.org/presentationml/2006/main">
-  <p:cSld>
-    <p:spTree>
-      <p:nvGrpSpPr>
-        <p:cNvPr id="1" name=""/>
-        <p:cNvGrpSpPr/>
-        <p:nvPr/>
-      </p:nvGrpSpPr>
-      <p:grpSpPr>
-        <a:xfrm>
-          <a:off x="0" y="0"/>
-          <a:ext cx="0" cy="0"/>
-          <a:chOff x="0" y="0"/>
-          <a:chExt cx="0" cy="0"/>
-        </a:xfrm>
-      </p:grpSpPr>
-      <p:sp>
-        <p:nvSpPr>
-          <p:cNvPr id="10" name="矩形 9">
-            <a:extLst>
-              <a:ext uri="{FF2B5EF4-FFF2-40B4-BE49-F238E27FC236}">
-                <a16:creationId xmlns:a16="http://schemas.microsoft.com/office/drawing/2014/main" id="{41C46474-8F88-4D94-9C35-75A646DCEC1E}"/>
-              </a:ext>
-            </a:extLst>
-          </p:cNvPr>
-          <p:cNvSpPr/>
-          <p:nvPr/>
-        </p:nvSpPr>
-        <p:spPr>
-          <a:xfrm>
-            <a:off x="129382" y="169863"/>
-            <a:ext cx="44450" cy="514350"/>
-          </a:xfrm>
-          <a:prstGeom prst="rect">
-            <a:avLst/>
-          </a:prstGeom>
-          <a:solidFill>
-            <a:schemeClr val="accent1">
-              <a:lumMod val="50000"/>
-            </a:schemeClr>
-          </a:solidFill>
-          <a:ln>
-            <a:noFill/>
-          </a:ln>
-        </p:spPr>
-        <p:style>
-          <a:lnRef idx="2">
-            <a:schemeClr val="accent1">
-              <a:shade val="50000"/>
-            </a:schemeClr>
-          </a:lnRef>
-          <a:fillRef idx="1">
-            <a:schemeClr val="accent1"/>
-          </a:fillRef>
-          <a:effectRef idx="0">
-            <a:schemeClr val="accent1"/>
-          </a:effectRef>
-          <a:fontRef idx="minor">
-            <a:schemeClr val="lt1"/>
-          </a:fontRef>
-        </p:style>
-        <p:txBody>
-          <a:bodyPr anchor="ctr"/>
-          <a:lstStyle/>
-          <a:p>
-            <a:pPr algn="ctr" eaLnBrk="1" hangingPunct="1">
-              <a:buFont typeface="Arial" panose="020B0604020202020204" pitchFamily="34" charset="0"/>
-              <a:buNone/>
-              <a:defRPr/>
-            </a:pPr>
-            <a:endParaRPr lang="zh-CN" altLang="en-US"/>
-          </a:p>
-        </p:txBody>
-      </p:sp>
-      <p:sp>
-        <p:nvSpPr>
-          <p:cNvPr id="11" name="矩形 10">
-            <a:extLst>
-              <a:ext uri="{FF2B5EF4-FFF2-40B4-BE49-F238E27FC236}">
-                <a16:creationId xmlns:a16="http://schemas.microsoft.com/office/drawing/2014/main" id="{918E47E4-772A-4EED-A7BF-0058324F2D75}"/>
-              </a:ext>
-            </a:extLst>
-          </p:cNvPr>
-          <p:cNvSpPr/>
-          <p:nvPr/>
-        </p:nvSpPr>
-        <p:spPr>
-          <a:xfrm flipH="1">
-            <a:off x="0" y="169863"/>
-            <a:ext cx="115888" cy="514350"/>
-          </a:xfrm>
-          <a:prstGeom prst="rect">
-            <a:avLst/>
-          </a:prstGeom>
-          <a:solidFill>
-            <a:schemeClr val="accent1">
-              <a:lumMod val="50000"/>
-            </a:schemeClr>
-          </a:solidFill>
-          <a:ln>
-            <a:noFill/>
-          </a:ln>
-        </p:spPr>
-        <p:style>
-          <a:lnRef idx="2">
-            <a:schemeClr val="accent1">
-              <a:shade val="50000"/>
-            </a:schemeClr>
-          </a:lnRef>
-          <a:fillRef idx="1">
-            <a:schemeClr val="accent1"/>
-          </a:fillRef>
-          <a:effectRef idx="0">
-            <a:schemeClr val="accent1"/>
-          </a:effectRef>
-          <a:fontRef idx="minor">
-            <a:schemeClr val="lt1"/>
-          </a:fontRef>
-        </p:style>
-        <p:txBody>
-          <a:bodyPr anchor="ctr"/>
-          <a:lstStyle/>
-          <a:p>
-            <a:pPr algn="ctr" eaLnBrk="1" hangingPunct="1">
-              <a:buFont typeface="Arial" panose="020B0604020202020204" pitchFamily="34" charset="0"/>
-              <a:buNone/>
-              <a:defRPr/>
-            </a:pPr>
-            <a:endParaRPr lang="zh-CN" altLang="en-US"/>
-          </a:p>
-        </p:txBody>
-      </p:sp>
-      <p:sp>
-        <p:nvSpPr>
-          <p:cNvPr id="12" name="标题 1">
-            <a:extLst>
-              <a:ext uri="{FF2B5EF4-FFF2-40B4-BE49-F238E27FC236}">
-                <a16:creationId xmlns:a16="http://schemas.microsoft.com/office/drawing/2014/main" id="{4398ED8A-1BE3-4C62-9088-28BE8186D725}"/>
-              </a:ext>
-            </a:extLst>
-          </p:cNvPr>
-          <p:cNvSpPr txBox="1">
-            <a:spLocks/>
-          </p:cNvSpPr>
-          <p:nvPr/>
-        </p:nvSpPr>
-        <p:spPr>
-          <a:xfrm>
-            <a:off x="187326" y="169863"/>
-            <a:ext cx="6099174" cy="514350"/>
-          </a:xfrm>
-          <a:prstGeom prst="rect">
-            <a:avLst/>
-          </a:prstGeom>
-        </p:spPr>
-        <p:txBody>
-          <a:bodyPr vert="horz" lIns="91440" tIns="45720" rIns="91440" bIns="45720" rtlCol="0" anchor="ctr">
-            <a:noAutofit/>
-          </a:bodyPr>
-          <a:lstStyle>
-            <a:lvl1pPr algn="l" defTabSz="914400" rtl="0" eaLnBrk="1" latinLnBrk="0" hangingPunct="1">
-              <a:lnSpc>
-                <a:spcPct val="90000"/>
-              </a:lnSpc>
-              <a:spcBef>
-                <a:spcPct val="0"/>
-              </a:spcBef>
-              <a:buNone/>
-              <a:defRPr sz="4400" kern="1200">
-                <a:solidFill>
-                  <a:schemeClr val="tx1"/>
-                </a:solidFill>
-                <a:latin typeface="+mj-lt"/>
-                <a:ea typeface="+mj-ea"/>
-                <a:cs typeface="+mj-cs"/>
-              </a:defRPr>
-            </a:lvl1pPr>
-          </a:lstStyle>
-          <a:p>
-            <a:r>
-              <a:rPr lang="zh-CN" altLang="en-US" sz="2900" b="1" dirty="0"/>
-              <a:t>总结与展望</a:t>
-            </a:r>
-          </a:p>
-        </p:txBody>
-      </p:sp>
-      <p:sp>
-        <p:nvSpPr>
-          <p:cNvPr id="6" name="内容占位符 2">
-            <a:extLst>
-              <a:ext uri="{FF2B5EF4-FFF2-40B4-BE49-F238E27FC236}">
-                <a16:creationId xmlns:a16="http://schemas.microsoft.com/office/drawing/2014/main" id="{5F38FFCC-69EA-42F6-80AE-17E59DD7CF15}"/>
-              </a:ext>
-            </a:extLst>
-          </p:cNvPr>
-          <p:cNvSpPr txBox="1">
-            <a:spLocks/>
-          </p:cNvSpPr>
-          <p:nvPr/>
-        </p:nvSpPr>
-        <p:spPr>
-          <a:xfrm>
-            <a:off x="616174" y="818829"/>
-            <a:ext cx="7755936" cy="4357801"/>
-          </a:xfrm>
-          <a:prstGeom prst="rect">
-            <a:avLst/>
-          </a:prstGeom>
-        </p:spPr>
-        <p:txBody>
-          <a:bodyPr vert="horz" lIns="91440" tIns="45720" rIns="91440" bIns="45720" rtlCol="0">
-            <a:normAutofit/>
-          </a:bodyPr>
-          <a:lstStyle>
-            <a:lvl1pPr marL="228600" indent="-228600" algn="l" defTabSz="914400" rtl="0" eaLnBrk="1" latinLnBrk="0" hangingPunct="1">
-              <a:lnSpc>
-                <a:spcPct val="90000"/>
-              </a:lnSpc>
-              <a:spcBef>
-                <a:spcPts val="1000"/>
-              </a:spcBef>
-              <a:buFont typeface="Arial" panose="020B0604020202020204" pitchFamily="34" charset="0"/>
-              <a:buChar char="•"/>
-              <a:defRPr sz="2800" kern="1200">
-                <a:solidFill>
-                  <a:schemeClr val="tx1"/>
-                </a:solidFill>
-                <a:latin typeface="+mn-lt"/>
-                <a:ea typeface="+mn-ea"/>
-                <a:cs typeface="+mn-cs"/>
-              </a:defRPr>
-            </a:lvl1pPr>
-            <a:lvl2pPr marL="685800" indent="-228600" algn="l" defTabSz="914400" rtl="0" eaLnBrk="1" latinLnBrk="0" hangingPunct="1">
-              <a:lnSpc>
-                <a:spcPct val="90000"/>
-              </a:lnSpc>
-              <a:spcBef>
-                <a:spcPts val="500"/>
-              </a:spcBef>
-              <a:buFont typeface="Arial" panose="020B0604020202020204" pitchFamily="34" charset="0"/>
-              <a:buChar char="•"/>
-              <a:defRPr sz="2400" kern="1200">
-                <a:solidFill>
-                  <a:schemeClr val="tx1"/>
-                </a:solidFill>
-                <a:latin typeface="+mn-lt"/>
-                <a:ea typeface="+mn-ea"/>
-                <a:cs typeface="+mn-cs"/>
-              </a:defRPr>
-            </a:lvl2pPr>
-            <a:lvl3pPr marL="1143000" indent="-228600" algn="l" defTabSz="914400" rtl="0" eaLnBrk="1" latinLnBrk="0" hangingPunct="1">
-              <a:lnSpc>
-                <a:spcPct val="90000"/>
-              </a:lnSpc>
-              <a:spcBef>
-                <a:spcPts val="500"/>
-              </a:spcBef>
-              <a:buFont typeface="Arial" panose="020B0604020202020204" pitchFamily="34" charset="0"/>
-              <a:buChar char="•"/>
-              <a:defRPr sz="2000" kern="1200">
-                <a:solidFill>
-                  <a:schemeClr val="tx1"/>
-                </a:solidFill>
-                <a:latin typeface="+mn-lt"/>
-                <a:ea typeface="+mn-ea"/>
-                <a:cs typeface="+mn-cs"/>
-              </a:defRPr>
-            </a:lvl3pPr>
-            <a:lvl4pPr marL="1600200" indent="-228600" algn="l" defTabSz="914400" rtl="0" eaLnBrk="1" latinLnBrk="0" hangingPunct="1">
-              <a:lnSpc>
-                <a:spcPct val="90000"/>
-              </a:lnSpc>
-              <a:spcBef>
-                <a:spcPts val="500"/>
-              </a:spcBef>
-              <a:buFont typeface="Arial" panose="020B0604020202020204" pitchFamily="34" charset="0"/>
-              <a:buChar char="•"/>
-              <a:defRPr sz="1800" kern="1200">
-                <a:solidFill>
-                  <a:schemeClr val="tx1"/>
-                </a:solidFill>
-                <a:latin typeface="+mn-lt"/>
-                <a:ea typeface="+mn-ea"/>
-                <a:cs typeface="+mn-cs"/>
-              </a:defRPr>
-            </a:lvl4pPr>
-            <a:lvl5pPr marL="2057400" indent="-228600" algn="l" defTabSz="914400" rtl="0" eaLnBrk="1" latinLnBrk="0" hangingPunct="1">
-              <a:lnSpc>
-                <a:spcPct val="90000"/>
-              </a:lnSpc>
-              <a:spcBef>
-                <a:spcPts val="500"/>
-              </a:spcBef>
-              <a:buFont typeface="Arial" panose="020B0604020202020204" pitchFamily="34" charset="0"/>
-              <a:buChar char="•"/>
-              <a:defRPr sz="1800" kern="1200">
-                <a:solidFill>
-                  <a:schemeClr val="tx1"/>
-                </a:solidFill>
-                <a:latin typeface="+mn-lt"/>
-                <a:ea typeface="+mn-ea"/>
-                <a:cs typeface="+mn-cs"/>
-              </a:defRPr>
-            </a:lvl5pPr>
-            <a:lvl6pPr marL="2514600" indent="-228600" algn="l" defTabSz="914400" rtl="0" eaLnBrk="1" latinLnBrk="0" hangingPunct="1">
-              <a:lnSpc>
-                <a:spcPct val="90000"/>
-              </a:lnSpc>
-              <a:spcBef>
-                <a:spcPts val="500"/>
-              </a:spcBef>
-              <a:buFont typeface="Arial" panose="020B0604020202020204" pitchFamily="34" charset="0"/>
-              <a:buChar char="•"/>
-              <a:defRPr sz="1800" kern="1200">
-                <a:solidFill>
-                  <a:schemeClr val="tx1"/>
-                </a:solidFill>
-                <a:latin typeface="+mn-lt"/>
-                <a:ea typeface="+mn-ea"/>
-                <a:cs typeface="+mn-cs"/>
-              </a:defRPr>
-            </a:lvl6pPr>
-            <a:lvl7pPr marL="2971800" indent="-228600" algn="l" defTabSz="914400" rtl="0" eaLnBrk="1" latinLnBrk="0" hangingPunct="1">
-              <a:lnSpc>
-                <a:spcPct val="90000"/>
-              </a:lnSpc>
-              <a:spcBef>
-                <a:spcPts val="500"/>
-              </a:spcBef>
-              <a:buFont typeface="Arial" panose="020B0604020202020204" pitchFamily="34" charset="0"/>
-              <a:buChar char="•"/>
-              <a:defRPr sz="1800" kern="1200">
-                <a:solidFill>
-                  <a:schemeClr val="tx1"/>
-                </a:solidFill>
-                <a:latin typeface="+mn-lt"/>
-                <a:ea typeface="+mn-ea"/>
-                <a:cs typeface="+mn-cs"/>
-              </a:defRPr>
-            </a:lvl7pPr>
-            <a:lvl8pPr marL="3429000" indent="-228600" algn="l" defTabSz="914400" rtl="0" eaLnBrk="1" latinLnBrk="0" hangingPunct="1">
-              <a:lnSpc>
-                <a:spcPct val="90000"/>
-              </a:lnSpc>
-              <a:spcBef>
-                <a:spcPts val="500"/>
-              </a:spcBef>
-              <a:buFont typeface="Arial" panose="020B0604020202020204" pitchFamily="34" charset="0"/>
-              <a:buChar char="•"/>
-              <a:defRPr sz="1800" kern="1200">
-                <a:solidFill>
-                  <a:schemeClr val="tx1"/>
-                </a:solidFill>
-                <a:latin typeface="+mn-lt"/>
-                <a:ea typeface="+mn-ea"/>
-                <a:cs typeface="+mn-cs"/>
-              </a:defRPr>
-            </a:lvl8pPr>
-            <a:lvl9pPr marL="3886200" indent="-228600" algn="l" defTabSz="914400" rtl="0" eaLnBrk="1" latinLnBrk="0" hangingPunct="1">
-              <a:lnSpc>
-                <a:spcPct val="90000"/>
-              </a:lnSpc>
-              <a:spcBef>
-                <a:spcPts val="500"/>
-              </a:spcBef>
-              <a:buFont typeface="Arial" panose="020B0604020202020204" pitchFamily="34" charset="0"/>
-              <a:buChar char="•"/>
-              <a:defRPr sz="1800" kern="1200">
-                <a:solidFill>
-                  <a:schemeClr val="tx1"/>
-                </a:solidFill>
-                <a:latin typeface="+mn-lt"/>
-                <a:ea typeface="+mn-ea"/>
-                <a:cs typeface="+mn-cs"/>
-              </a:defRPr>
-            </a:lvl9pPr>
-          </a:lstStyle>
-          <a:p>
-            <a:pPr>
-              <a:lnSpc>
-                <a:spcPct val="150000"/>
-              </a:lnSpc>
-            </a:pPr>
-            <a:r>
-              <a:rPr lang="zh-CN" altLang="en-US" sz="2800" dirty="0"/>
-              <a:t>哈哈哈哈 </a:t>
-            </a:r>
-            <a:endParaRPr lang="en-US" altLang="zh-CN" sz="2800" dirty="0"/>
-          </a:p>
-          <a:p>
-            <a:pPr marL="228600" lvl="1">
-              <a:lnSpc>
-                <a:spcPct val="150000"/>
-              </a:lnSpc>
-              <a:spcBef>
-                <a:spcPts val="1000"/>
-              </a:spcBef>
-            </a:pPr>
-            <a:endParaRPr lang="en-US" altLang="zh-CN" sz="2800" dirty="0"/>
-          </a:p>
-        </p:txBody>
-      </p:sp>
-    </p:spTree>
-    <p:extLst>
-      <p:ext uri="{BB962C8B-B14F-4D97-AF65-F5344CB8AC3E}">
-        <p14:creationId xmlns:p14="http://schemas.microsoft.com/office/powerpoint/2010/main" val="3666982743"/>
       </p:ext>
     </p:extLst>
   </p:cSld>

--- a/Notes_JHW/中期.pptx
+++ b/Notes_JHW/中期.pptx
@@ -4124,7 +4124,7 @@
                 <a:effectLst/>
                 <a:latin typeface="Arial" panose="020B0604020202020204" pitchFamily="34" charset="0"/>
               </a:rPr>
-              <a:t>借助资料，对自然语言处理相关知识的学习。</a:t>
+              <a:t>借助资料，对自然语言处理相关知识进行学习。</a:t>
             </a:r>
             <a:endParaRPr lang="en-US" altLang="zh-CN" b="0" i="0" dirty="0">
               <a:solidFill>
@@ -4148,7 +4148,7 @@
                 <a:effectLst/>
                 <a:latin typeface="Arial" panose="020B0604020202020204" pitchFamily="34" charset="0"/>
               </a:rPr>
-              <a:t>阅读资料、查看文献，关注相关研究成果，进行模型的</a:t>
+              <a:t>阅读资料、查看文献，关注相关研究成果，</a:t>
             </a:r>
             <a:r>
               <a:rPr lang="zh-CN" altLang="en-US" dirty="0">
@@ -4167,7 +4167,7 @@
                 <a:effectLst/>
                 <a:latin typeface="Arial" panose="020B0604020202020204" pitchFamily="34" charset="0"/>
               </a:rPr>
-              <a:t>。</a:t>
+              <a:t>模型。</a:t>
             </a:r>
             <a:endParaRPr lang="en-US" altLang="zh-CN" b="0" i="0" dirty="0">
               <a:solidFill>
@@ -4217,7 +4217,7 @@
             </a:r>
             <a:r>
               <a:rPr lang="zh-CN" altLang="zh-CN" sz="1800" dirty="0"/>
-              <a:t>[NAACL16]</a:t>
+              <a:t>[NAACL]</a:t>
             </a:r>
             <a:endParaRPr kumimoji="1" lang="en-US" altLang="zh-CN" sz="1200" dirty="0">
               <a:latin typeface="Microsoft YaHei" panose="020B0503020204020204" pitchFamily="34" charset="-122"/>
@@ -4373,7 +4373,7 @@
         </p:nvSpPr>
         <p:spPr>
           <a:xfrm>
-            <a:off x="187326" y="169863"/>
+            <a:off x="173832" y="169863"/>
             <a:ext cx="5054899" cy="514350"/>
           </a:xfrm>
           <a:prstGeom prst="rect">

--- a/Notes_JHW/中期.pptx
+++ b/Notes_JHW/中期.pptx
@@ -5,14 +5,15 @@
     <p:sldMasterId id="2147483660" r:id="rId1"/>
   </p:sldMasterIdLst>
   <p:notesMasterIdLst>
-    <p:notesMasterId r:id="rId7"/>
+    <p:notesMasterId r:id="rId8"/>
   </p:notesMasterIdLst>
   <p:sldIdLst>
     <p:sldId id="256" r:id="rId2"/>
     <p:sldId id="258" r:id="rId3"/>
     <p:sldId id="265" r:id="rId4"/>
-    <p:sldId id="263" r:id="rId5"/>
-    <p:sldId id="264" r:id="rId6"/>
+    <p:sldId id="266" r:id="rId5"/>
+    <p:sldId id="267" r:id="rId6"/>
+    <p:sldId id="263" r:id="rId7"/>
   </p:sldIdLst>
   <p:sldSz cx="12192000" cy="6858000"/>
   <p:notesSz cx="6858000" cy="9144000"/>
@@ -201,7 +202,7 @@
           <a:p>
             <a:fld id="{638488D8-C6A1-4250-89E7-7B45436B2DC4}" type="datetimeFigureOut">
               <a:rPr lang="zh-CN" altLang="en-US" smtClean="0"/>
-              <a:t>2020/12/2</a:t>
+              <a:t>2020/12/3</a:t>
             </a:fld>
             <a:endParaRPr lang="zh-CN" altLang="en-US"/>
           </a:p>
@@ -842,9 +843,9 @@
           <a:p>
             <a:r>
               <a:rPr lang="zh-CN" altLang="en-US" b="1" dirty="0"/>
-              <a:t>存在什么问题</a:t>
-            </a:r>
-            <a:endParaRPr lang="en-US" altLang="zh-CN" b="1" dirty="0"/>
+              <a:t>做了什么，有什么进展</a:t>
+            </a:r>
+            <a:endParaRPr lang="en-US" altLang="zh-CN" dirty="0"/>
           </a:p>
         </p:txBody>
       </p:sp>
@@ -874,7 +875,7 @@
     </p:spTree>
     <p:extLst>
       <p:ext uri="{BB962C8B-B14F-4D97-AF65-F5344CB8AC3E}">
-        <p14:creationId xmlns:p14="http://schemas.microsoft.com/office/powerpoint/2010/main" val="3640378608"/>
+        <p14:creationId xmlns:p14="http://schemas.microsoft.com/office/powerpoint/2010/main" val="1585270421"/>
       </p:ext>
     </p:extLst>
   </p:cSld>
@@ -928,6 +929,10 @@
           <a:bodyPr/>
           <a:lstStyle/>
           <a:p>
+            <a:r>
+              <a:rPr lang="zh-CN" altLang="en-US" b="1" dirty="0"/>
+              <a:t>做了什么，有什么进展</a:t>
+            </a:r>
             <a:endParaRPr lang="en-US" altLang="zh-CN" dirty="0"/>
           </a:p>
         </p:txBody>
@@ -958,7 +963,95 @@
     </p:spTree>
     <p:extLst>
       <p:ext uri="{BB962C8B-B14F-4D97-AF65-F5344CB8AC3E}">
-        <p14:creationId xmlns:p14="http://schemas.microsoft.com/office/powerpoint/2010/main" val="1888691310"/>
+        <p14:creationId xmlns:p14="http://schemas.microsoft.com/office/powerpoint/2010/main" val="1821306065"/>
+      </p:ext>
+    </p:extLst>
+  </p:cSld>
+  <p:clrMapOvr>
+    <a:masterClrMapping/>
+  </p:clrMapOvr>
+</p:notes>
+</file>
+
+<file path=ppt/notesSlides/notesSlide6.xml><?xml version="1.0" encoding="utf-8"?>
+<p:notes xmlns:a="http://schemas.openxmlformats.org/drawingml/2006/main" xmlns:r="http://schemas.openxmlformats.org/officeDocument/2006/relationships" xmlns:p="http://schemas.openxmlformats.org/presentationml/2006/main">
+  <p:cSld>
+    <p:spTree>
+      <p:nvGrpSpPr>
+        <p:cNvPr id="1" name=""/>
+        <p:cNvGrpSpPr/>
+        <p:nvPr/>
+      </p:nvGrpSpPr>
+      <p:grpSpPr>
+        <a:xfrm>
+          <a:off x="0" y="0"/>
+          <a:ext cx="0" cy="0"/>
+          <a:chOff x="0" y="0"/>
+          <a:chExt cx="0" cy="0"/>
+        </a:xfrm>
+      </p:grpSpPr>
+      <p:sp>
+        <p:nvSpPr>
+          <p:cNvPr id="2" name="幻灯片图像占位符 1"/>
+          <p:cNvSpPr>
+            <a:spLocks noGrp="1" noRot="1" noChangeAspect="1"/>
+          </p:cNvSpPr>
+          <p:nvPr>
+            <p:ph type="sldImg"/>
+          </p:nvPr>
+        </p:nvSpPr>
+        <p:spPr/>
+      </p:sp>
+      <p:sp>
+        <p:nvSpPr>
+          <p:cNvPr id="3" name="备注占位符 2"/>
+          <p:cNvSpPr>
+            <a:spLocks noGrp="1"/>
+          </p:cNvSpPr>
+          <p:nvPr>
+            <p:ph type="body" idx="1"/>
+          </p:nvPr>
+        </p:nvSpPr>
+        <p:spPr/>
+        <p:txBody>
+          <a:bodyPr/>
+          <a:lstStyle/>
+          <a:p>
+            <a:r>
+              <a:rPr lang="zh-CN" altLang="en-US" b="1" dirty="0"/>
+              <a:t>存在什么问题</a:t>
+            </a:r>
+            <a:endParaRPr lang="en-US" altLang="zh-CN" b="1" dirty="0"/>
+          </a:p>
+        </p:txBody>
+      </p:sp>
+      <p:sp>
+        <p:nvSpPr>
+          <p:cNvPr id="4" name="灯片编号占位符 3"/>
+          <p:cNvSpPr>
+            <a:spLocks noGrp="1"/>
+          </p:cNvSpPr>
+          <p:nvPr>
+            <p:ph type="sldNum" sz="quarter" idx="5"/>
+          </p:nvPr>
+        </p:nvSpPr>
+        <p:spPr/>
+        <p:txBody>
+          <a:bodyPr/>
+          <a:lstStyle/>
+          <a:p>
+            <a:fld id="{76088DCD-DF25-40CD-BEBC-989B77D0E788}" type="slidenum">
+              <a:rPr lang="zh-CN" altLang="en-US" smtClean="0"/>
+              <a:t>6</a:t>
+            </a:fld>
+            <a:endParaRPr lang="zh-CN" altLang="en-US"/>
+          </a:p>
+        </p:txBody>
+      </p:sp>
+    </p:spTree>
+    <p:extLst>
+      <p:ext uri="{BB962C8B-B14F-4D97-AF65-F5344CB8AC3E}">
+        <p14:creationId xmlns:p14="http://schemas.microsoft.com/office/powerpoint/2010/main" val="3640378608"/>
       </p:ext>
     </p:extLst>
   </p:cSld>
@@ -1099,7 +1192,7 @@
           <a:p>
             <a:fld id="{FF733C0F-1980-4DEE-975A-6C817DABA37E}" type="datetimeFigureOut">
               <a:rPr lang="zh-CN" altLang="en-US" smtClean="0"/>
-              <a:t>2020/12/2</a:t>
+              <a:t>2020/12/3</a:t>
             </a:fld>
             <a:endParaRPr lang="zh-CN" altLang="en-US"/>
           </a:p>
@@ -1269,7 +1362,7 @@
           <a:p>
             <a:fld id="{FF733C0F-1980-4DEE-975A-6C817DABA37E}" type="datetimeFigureOut">
               <a:rPr lang="zh-CN" altLang="en-US" smtClean="0"/>
-              <a:t>2020/12/2</a:t>
+              <a:t>2020/12/3</a:t>
             </a:fld>
             <a:endParaRPr lang="zh-CN" altLang="en-US"/>
           </a:p>
@@ -1449,7 +1542,7 @@
           <a:p>
             <a:fld id="{FF733C0F-1980-4DEE-975A-6C817DABA37E}" type="datetimeFigureOut">
               <a:rPr lang="zh-CN" altLang="en-US" smtClean="0"/>
-              <a:t>2020/12/2</a:t>
+              <a:t>2020/12/3</a:t>
             </a:fld>
             <a:endParaRPr lang="zh-CN" altLang="en-US"/>
           </a:p>
@@ -1619,7 +1712,7 @@
           <a:p>
             <a:fld id="{FF733C0F-1980-4DEE-975A-6C817DABA37E}" type="datetimeFigureOut">
               <a:rPr lang="zh-CN" altLang="en-US" smtClean="0"/>
-              <a:t>2020/12/2</a:t>
+              <a:t>2020/12/3</a:t>
             </a:fld>
             <a:endParaRPr lang="zh-CN" altLang="en-US"/>
           </a:p>
@@ -1865,7 +1958,7 @@
           <a:p>
             <a:fld id="{FF733C0F-1980-4DEE-975A-6C817DABA37E}" type="datetimeFigureOut">
               <a:rPr lang="zh-CN" altLang="en-US" smtClean="0"/>
-              <a:t>2020/12/2</a:t>
+              <a:t>2020/12/3</a:t>
             </a:fld>
             <a:endParaRPr lang="zh-CN" altLang="en-US"/>
           </a:p>
@@ -2097,7 +2190,7 @@
           <a:p>
             <a:fld id="{FF733C0F-1980-4DEE-975A-6C817DABA37E}" type="datetimeFigureOut">
               <a:rPr lang="zh-CN" altLang="en-US" smtClean="0"/>
-              <a:t>2020/12/2</a:t>
+              <a:t>2020/12/3</a:t>
             </a:fld>
             <a:endParaRPr lang="zh-CN" altLang="en-US"/>
           </a:p>
@@ -2464,7 +2557,7 @@
           <a:p>
             <a:fld id="{FF733C0F-1980-4DEE-975A-6C817DABA37E}" type="datetimeFigureOut">
               <a:rPr lang="zh-CN" altLang="en-US" smtClean="0"/>
-              <a:t>2020/12/2</a:t>
+              <a:t>2020/12/3</a:t>
             </a:fld>
             <a:endParaRPr lang="zh-CN" altLang="en-US"/>
           </a:p>
@@ -2582,7 +2675,7 @@
           <a:p>
             <a:fld id="{FF733C0F-1980-4DEE-975A-6C817DABA37E}" type="datetimeFigureOut">
               <a:rPr lang="zh-CN" altLang="en-US" smtClean="0"/>
-              <a:t>2020/12/2</a:t>
+              <a:t>2020/12/3</a:t>
             </a:fld>
             <a:endParaRPr lang="zh-CN" altLang="en-US"/>
           </a:p>
@@ -2677,7 +2770,7 @@
           <a:p>
             <a:fld id="{FF733C0F-1980-4DEE-975A-6C817DABA37E}" type="datetimeFigureOut">
               <a:rPr lang="zh-CN" altLang="en-US" smtClean="0"/>
-              <a:t>2020/12/2</a:t>
+              <a:t>2020/12/3</a:t>
             </a:fld>
             <a:endParaRPr lang="zh-CN" altLang="en-US"/>
           </a:p>
@@ -2954,7 +3047,7 @@
           <a:p>
             <a:fld id="{FF733C0F-1980-4DEE-975A-6C817DABA37E}" type="datetimeFigureOut">
               <a:rPr lang="zh-CN" altLang="en-US" smtClean="0"/>
-              <a:t>2020/12/2</a:t>
+              <a:t>2020/12/3</a:t>
             </a:fld>
             <a:endParaRPr lang="zh-CN" altLang="en-US"/>
           </a:p>
@@ -3211,7 +3304,7 @@
           <a:p>
             <a:fld id="{FF733C0F-1980-4DEE-975A-6C817DABA37E}" type="datetimeFigureOut">
               <a:rPr lang="zh-CN" altLang="en-US" smtClean="0"/>
-              <a:t>2020/12/2</a:t>
+              <a:t>2020/12/3</a:t>
             </a:fld>
             <a:endParaRPr lang="zh-CN" altLang="en-US"/>
           </a:p>
@@ -3424,7 +3517,7 @@
           <a:p>
             <a:fld id="{FF733C0F-1980-4DEE-975A-6C817DABA37E}" type="datetimeFigureOut">
               <a:rPr lang="zh-CN" altLang="en-US" smtClean="0"/>
-              <a:t>2020/12/2</a:t>
+              <a:t>2020/12/3</a:t>
             </a:fld>
             <a:endParaRPr lang="zh-CN" altLang="en-US"/>
           </a:p>
@@ -4459,8 +4552,8 @@
         </p:nvSpPr>
         <p:spPr>
           <a:xfrm>
-            <a:off x="625518" y="1374557"/>
-            <a:ext cx="10940963" cy="4108886"/>
+            <a:off x="625518" y="832982"/>
+            <a:ext cx="7486095" cy="5389499"/>
           </a:xfrm>
         </p:spPr>
         <p:txBody>
@@ -4493,13 +4586,61 @@
               </a:lnSpc>
             </a:pPr>
             <a:r>
-              <a:rPr lang="zh-CN" altLang="en-US" dirty="0">
+              <a:rPr lang="en-US" altLang="zh-CN" dirty="0">
                 <a:solidFill>
                   <a:srgbClr val="000000"/>
                 </a:solidFill>
                 <a:latin typeface="Arial" panose="020B0604020202020204" pitchFamily="34" charset="0"/>
               </a:rPr>
-              <a:t>来点图</a:t>
+              <a:t>Discriminative Model</a:t>
+            </a:r>
+          </a:p>
+          <a:p>
+            <a:pPr lvl="1">
+              <a:lnSpc>
+                <a:spcPct val="200000"/>
+              </a:lnSpc>
+            </a:pPr>
+            <a:r>
+              <a:rPr lang="en-US" altLang="zh-CN" dirty="0">
+                <a:solidFill>
+                  <a:srgbClr val="000000"/>
+                </a:solidFill>
+                <a:latin typeface="Arial" panose="020B0604020202020204" pitchFamily="34" charset="0"/>
+              </a:rPr>
+              <a:t>F1 88</a:t>
+            </a:r>
+          </a:p>
+          <a:p>
+            <a:pPr>
+              <a:lnSpc>
+                <a:spcPct val="200000"/>
+              </a:lnSpc>
+            </a:pPr>
+            <a:r>
+              <a:rPr lang="en-US" altLang="zh-CN" dirty="0">
+                <a:solidFill>
+                  <a:srgbClr val="000000"/>
+                </a:solidFill>
+                <a:latin typeface="Arial" panose="020B0604020202020204" pitchFamily="34" charset="0"/>
+              </a:rPr>
+              <a:t>Generative Model</a:t>
+            </a:r>
+          </a:p>
+          <a:p>
+            <a:pPr lvl="1">
+              <a:lnSpc>
+                <a:spcPct val="200000"/>
+              </a:lnSpc>
+            </a:pPr>
+            <a:r>
+              <a:rPr lang="en-US" altLang="zh-CN" dirty="0">
+                <a:solidFill>
+                  <a:srgbClr val="000000"/>
+                </a:solidFill>
+                <a:latin typeface="Arial" panose="020B0604020202020204" pitchFamily="34" charset="0"/>
+              </a:rPr>
+              <a:t>F1 91</a:t>
             </a:r>
             <a:endParaRPr lang="en-US" altLang="zh-CN" dirty="0"/>
           </a:p>
@@ -4675,6 +4816,36 @@
           </a:p>
         </p:txBody>
       </p:sp>
+      <p:pic>
+        <p:nvPicPr>
+          <p:cNvPr id="2" name="图片 1">
+            <a:extLst>
+              <a:ext uri="{FF2B5EF4-FFF2-40B4-BE49-F238E27FC236}">
+                <a16:creationId xmlns:a16="http://schemas.microsoft.com/office/drawing/2014/main" id="{754697C2-4D09-4FFD-935D-84F73D287281}"/>
+              </a:ext>
+            </a:extLst>
+          </p:cNvPr>
+          <p:cNvPicPr>
+            <a:picLocks noChangeAspect="1"/>
+          </p:cNvPicPr>
+          <p:nvPr/>
+        </p:nvPicPr>
+        <p:blipFill>
+          <a:blip r:embed="rId3"/>
+          <a:stretch>
+            <a:fillRect/>
+          </a:stretch>
+        </p:blipFill>
+        <p:spPr>
+          <a:xfrm>
+            <a:off x="4886593" y="2016018"/>
+            <a:ext cx="6798683" cy="3816891"/>
+          </a:xfrm>
+          <a:prstGeom prst="rect">
+            <a:avLst/>
+          </a:prstGeom>
+        </p:spPr>
+      </p:pic>
     </p:spTree>
     <p:extLst>
       <p:ext uri="{BB962C8B-B14F-4D97-AF65-F5344CB8AC3E}">
@@ -4710,7 +4881,7 @@
           <p:cNvPr id="3" name="内容占位符 2">
             <a:extLst>
               <a:ext uri="{FF2B5EF4-FFF2-40B4-BE49-F238E27FC236}">
-                <a16:creationId xmlns:a16="http://schemas.microsoft.com/office/drawing/2014/main" id="{F004137C-BF30-4DAB-AB4C-CFB7779C9473}"/>
+                <a16:creationId xmlns:a16="http://schemas.microsoft.com/office/drawing/2014/main" id="{9901BBB9-C356-4692-9AA4-A93984F2AA0C}"/>
               </a:ext>
             </a:extLst>
           </p:cNvPr>
@@ -4723,8 +4894,8 @@
         </p:nvSpPr>
         <p:spPr>
           <a:xfrm>
-            <a:off x="616819" y="2232625"/>
-            <a:ext cx="11289631" cy="1973616"/>
+            <a:off x="638713" y="921638"/>
+            <a:ext cx="6745313" cy="5389499"/>
           </a:xfrm>
         </p:spPr>
         <p:txBody>
@@ -4739,42 +4910,62 @@
               </a:lnSpc>
             </a:pPr>
             <a:r>
-              <a:rPr lang="zh-CN" altLang="en-US" dirty="0">
+              <a:rPr lang="en-US" altLang="zh-CN" sz="2400" b="0" i="0" dirty="0">
+                <a:solidFill>
+                  <a:srgbClr val="000000"/>
+                </a:solidFill>
+                <a:effectLst/>
+                <a:latin typeface="Arial" panose="020B0604020202020204" pitchFamily="34" charset="0"/>
+              </a:rPr>
+              <a:t>Input</a:t>
+            </a:r>
+          </a:p>
+          <a:p>
+            <a:pPr lvl="1">
+              <a:lnSpc>
+                <a:spcPct val="150000"/>
+              </a:lnSpc>
+            </a:pPr>
+            <a:r>
+              <a:rPr lang="en-US" altLang="zh-CN" sz="2000" dirty="0"/>
+              <a:t>The most troublesome report may be the August merchandise trade deficit due out tomorrow .</a:t>
+            </a:r>
+          </a:p>
+          <a:p>
+            <a:pPr>
+              <a:lnSpc>
+                <a:spcPct val="150000"/>
+              </a:lnSpc>
+            </a:pPr>
+            <a:r>
+              <a:rPr lang="en-US" altLang="zh-CN" sz="2400" dirty="0">
                 <a:solidFill>
                   <a:srgbClr val="000000"/>
                 </a:solidFill>
                 <a:latin typeface="Arial" panose="020B0604020202020204" pitchFamily="34" charset="0"/>
               </a:rPr>
-              <a:t> 对于代码的运行了解不够深入，还需要进一步了解，刚刚跑通测试</a:t>
-            </a:r>
-            <a:r>
-              <a:rPr lang="en-US" altLang="zh-CN" dirty="0">
-                <a:solidFill>
-                  <a:srgbClr val="000000"/>
-                </a:solidFill>
-                <a:latin typeface="Arial" panose="020B0604020202020204" pitchFamily="34" charset="0"/>
-              </a:rPr>
-              <a:t>demo</a:t>
-            </a:r>
-            <a:r>
-              <a:rPr lang="zh-CN" altLang="en-US" dirty="0">
-                <a:solidFill>
-                  <a:srgbClr val="000000"/>
-                </a:solidFill>
-                <a:latin typeface="Arial" panose="020B0604020202020204" pitchFamily="34" charset="0"/>
-              </a:rPr>
-              <a:t>，还需要对代码进行更深度的研究。</a:t>
-            </a:r>
-            <a:endParaRPr lang="en-US" altLang="zh-CN" dirty="0"/>
-          </a:p>
-        </p:txBody>
-      </p:sp>
-      <p:sp>
-        <p:nvSpPr>
-          <p:cNvPr id="10" name="矩形 9">
+              <a:t>Output</a:t>
+            </a:r>
+          </a:p>
+          <a:p>
+            <a:pPr lvl="1">
+              <a:lnSpc>
+                <a:spcPct val="150000"/>
+              </a:lnSpc>
+            </a:pPr>
+            <a:r>
+              <a:rPr lang="en-US" altLang="zh-CN" sz="2000" dirty="0"/>
+              <a:t>(S (NP-SBJ (XX The) (ADJP (XX most) (XX troublesome)) (XX report)) (VP (XX may) (VP (XX be) (NP-PRD (NP (XX the) (XX August) (XX merchandise) (XX trade) (XX deficit)) (ADJP (XX due) (PP-TMP (XX out) (NP (XX tomorrow))))))) (XX .))</a:t>
+            </a:r>
+          </a:p>
+        </p:txBody>
+      </p:sp>
+      <p:sp>
+        <p:nvSpPr>
+          <p:cNvPr id="4" name="矩形 3">
             <a:extLst>
               <a:ext uri="{FF2B5EF4-FFF2-40B4-BE49-F238E27FC236}">
-                <a16:creationId xmlns:a16="http://schemas.microsoft.com/office/drawing/2014/main" id="{41C46474-8F88-4D94-9C35-75A646DCEC1E}"/>
+                <a16:creationId xmlns:a16="http://schemas.microsoft.com/office/drawing/2014/main" id="{8D21D103-D0AE-4460-833A-EA55BCD54063}"/>
               </a:ext>
             </a:extLst>
           </p:cNvPr>
@@ -4829,10 +5020,10 @@
       </p:sp>
       <p:sp>
         <p:nvSpPr>
-          <p:cNvPr id="11" name="矩形 10">
+          <p:cNvPr id="5" name="矩形 4">
             <a:extLst>
               <a:ext uri="{FF2B5EF4-FFF2-40B4-BE49-F238E27FC236}">
-                <a16:creationId xmlns:a16="http://schemas.microsoft.com/office/drawing/2014/main" id="{918E47E4-772A-4EED-A7BF-0058324F2D75}"/>
+                <a16:creationId xmlns:a16="http://schemas.microsoft.com/office/drawing/2014/main" id="{3B2968D3-E94F-412D-ABA2-2A77C84BE97F}"/>
               </a:ext>
             </a:extLst>
           </p:cNvPr>
@@ -4887,10 +5078,10 @@
       </p:sp>
       <p:sp>
         <p:nvSpPr>
-          <p:cNvPr id="12" name="标题 1">
+          <p:cNvPr id="8" name="标题 1">
             <a:extLst>
               <a:ext uri="{FF2B5EF4-FFF2-40B4-BE49-F238E27FC236}">
-                <a16:creationId xmlns:a16="http://schemas.microsoft.com/office/drawing/2014/main" id="{4398ED8A-1BE3-4C62-9088-28BE8186D725}"/>
+                <a16:creationId xmlns:a16="http://schemas.microsoft.com/office/drawing/2014/main" id="{BF939F9D-C3E7-44DA-9D11-58FC12310351}"/>
               </a:ext>
             </a:extLst>
           </p:cNvPr>
@@ -4902,7 +5093,7 @@
         <p:spPr>
           <a:xfrm>
             <a:off x="187326" y="169863"/>
-            <a:ext cx="4111624" cy="514350"/>
+            <a:ext cx="5054899" cy="514350"/>
           </a:xfrm>
           <a:prstGeom prst="rect">
             <a:avLst/>
@@ -4934,15 +5125,75 @@
           <a:p>
             <a:r>
               <a:rPr lang="zh-CN" altLang="en-US" sz="2900" b="1" dirty="0"/>
-              <a:t>主要问题及应对思路</a:t>
-            </a:r>
-          </a:p>
-        </p:txBody>
-      </p:sp>
+              <a:t>阶段性成果和收获</a:t>
+            </a:r>
+          </a:p>
+        </p:txBody>
+      </p:sp>
+      <p:pic>
+        <p:nvPicPr>
+          <p:cNvPr id="6" name="图片 5">
+            <a:extLst>
+              <a:ext uri="{FF2B5EF4-FFF2-40B4-BE49-F238E27FC236}">
+                <a16:creationId xmlns:a16="http://schemas.microsoft.com/office/drawing/2014/main" id="{E2A5F5B1-D9E7-4D91-9FB7-8C3273D3F092}"/>
+              </a:ext>
+            </a:extLst>
+          </p:cNvPr>
+          <p:cNvPicPr>
+            <a:picLocks noChangeAspect="1"/>
+          </p:cNvPicPr>
+          <p:nvPr/>
+        </p:nvPicPr>
+        <p:blipFill>
+          <a:blip r:embed="rId3"/>
+          <a:stretch>
+            <a:fillRect/>
+          </a:stretch>
+        </p:blipFill>
+        <p:spPr>
+          <a:xfrm>
+            <a:off x="7683023" y="684213"/>
+            <a:ext cx="3494804" cy="2922775"/>
+          </a:xfrm>
+          <a:prstGeom prst="rect">
+            <a:avLst/>
+          </a:prstGeom>
+        </p:spPr>
+      </p:pic>
+      <p:pic>
+        <p:nvPicPr>
+          <p:cNvPr id="7" name="图片 6">
+            <a:extLst>
+              <a:ext uri="{FF2B5EF4-FFF2-40B4-BE49-F238E27FC236}">
+                <a16:creationId xmlns:a16="http://schemas.microsoft.com/office/drawing/2014/main" id="{733E789A-C094-49BF-B6F2-04C16661600B}"/>
+              </a:ext>
+            </a:extLst>
+          </p:cNvPr>
+          <p:cNvPicPr>
+            <a:picLocks noChangeAspect="1"/>
+          </p:cNvPicPr>
+          <p:nvPr/>
+        </p:nvPicPr>
+        <p:blipFill>
+          <a:blip r:embed="rId4"/>
+          <a:stretch>
+            <a:fillRect/>
+          </a:stretch>
+        </p:blipFill>
+        <p:spPr>
+          <a:xfrm>
+            <a:off x="7384026" y="4729512"/>
+            <a:ext cx="4508977" cy="303037"/>
+          </a:xfrm>
+          <a:prstGeom prst="rect">
+            <a:avLst/>
+          </a:prstGeom>
+        </p:spPr>
+      </p:pic>
     </p:spTree>
     <p:extLst>
       <p:ext uri="{BB962C8B-B14F-4D97-AF65-F5344CB8AC3E}">
-        <p14:creationId xmlns:p14="http://schemas.microsoft.com/office/powerpoint/2010/main" val="2997770620"/>
+        <p14:creationId xmlns:p14="http://schemas.microsoft.com/office/powerpoint/2010/main" val="2272127714"/>
       </p:ext>
     </p:extLst>
   </p:cSld>
@@ -4971,70 +5222,10 @@
       </p:grpSpPr>
       <p:sp>
         <p:nvSpPr>
-          <p:cNvPr id="3" name="内容占位符 2">
+          <p:cNvPr id="4" name="矩形 3">
             <a:extLst>
               <a:ext uri="{FF2B5EF4-FFF2-40B4-BE49-F238E27FC236}">
-                <a16:creationId xmlns:a16="http://schemas.microsoft.com/office/drawing/2014/main" id="{F004137C-BF30-4DAB-AB4C-CFB7779C9473}"/>
-              </a:ext>
-            </a:extLst>
-          </p:cNvPr>
-          <p:cNvSpPr>
-            <a:spLocks noGrp="1"/>
-          </p:cNvSpPr>
-          <p:nvPr>
-            <p:ph idx="1"/>
-          </p:nvPr>
-        </p:nvSpPr>
-        <p:spPr>
-          <a:xfrm>
-            <a:off x="607169" y="2201495"/>
-            <a:ext cx="11280032" cy="2455009"/>
-          </a:xfrm>
-        </p:spPr>
-        <p:txBody>
-          <a:bodyPr>
-            <a:normAutofit/>
-          </a:bodyPr>
-          <a:lstStyle/>
-          <a:p>
-            <a:pPr>
-              <a:lnSpc>
-                <a:spcPct val="200000"/>
-              </a:lnSpc>
-            </a:pPr>
-            <a:r>
-              <a:rPr lang="zh-CN" altLang="en-US" dirty="0"/>
-              <a:t>完成句法分析部分，进行句法可视化。</a:t>
-            </a:r>
-            <a:r>
-              <a:rPr lang="en-US" altLang="zh-CN" dirty="0"/>
-              <a:t>		</a:t>
-            </a:r>
-          </a:p>
-          <a:p>
-            <a:pPr>
-              <a:lnSpc>
-                <a:spcPct val="200000"/>
-              </a:lnSpc>
-            </a:pPr>
-            <a:r>
-              <a:rPr lang="zh-CN" altLang="en-US" dirty="0"/>
-              <a:t>产品的进一步功能实现及优化、测试、部署等。</a:t>
-            </a:r>
-            <a:r>
-              <a:rPr lang="en-US" altLang="zh-CN" dirty="0"/>
-              <a:t>	</a:t>
-            </a:r>
-            <a:endParaRPr lang="zh-CN" altLang="en-US" dirty="0"/>
-          </a:p>
-        </p:txBody>
-      </p:sp>
-      <p:sp>
-        <p:nvSpPr>
-          <p:cNvPr id="10" name="矩形 9">
-            <a:extLst>
-              <a:ext uri="{FF2B5EF4-FFF2-40B4-BE49-F238E27FC236}">
-                <a16:creationId xmlns:a16="http://schemas.microsoft.com/office/drawing/2014/main" id="{41C46474-8F88-4D94-9C35-75A646DCEC1E}"/>
+                <a16:creationId xmlns:a16="http://schemas.microsoft.com/office/drawing/2014/main" id="{8D21D103-D0AE-4460-833A-EA55BCD54063}"/>
               </a:ext>
             </a:extLst>
           </p:cNvPr>
@@ -5089,10 +5280,10 @@
       </p:sp>
       <p:sp>
         <p:nvSpPr>
-          <p:cNvPr id="11" name="矩形 10">
+          <p:cNvPr id="5" name="矩形 4">
             <a:extLst>
               <a:ext uri="{FF2B5EF4-FFF2-40B4-BE49-F238E27FC236}">
-                <a16:creationId xmlns:a16="http://schemas.microsoft.com/office/drawing/2014/main" id="{918E47E4-772A-4EED-A7BF-0058324F2D75}"/>
+                <a16:creationId xmlns:a16="http://schemas.microsoft.com/office/drawing/2014/main" id="{3B2968D3-E94F-412D-ABA2-2A77C84BE97F}"/>
               </a:ext>
             </a:extLst>
           </p:cNvPr>
@@ -5147,10 +5338,10 @@
       </p:sp>
       <p:sp>
         <p:nvSpPr>
-          <p:cNvPr id="12" name="标题 1">
+          <p:cNvPr id="8" name="标题 1">
             <a:extLst>
               <a:ext uri="{FF2B5EF4-FFF2-40B4-BE49-F238E27FC236}">
-                <a16:creationId xmlns:a16="http://schemas.microsoft.com/office/drawing/2014/main" id="{4398ED8A-1BE3-4C62-9088-28BE8186D725}"/>
+                <a16:creationId xmlns:a16="http://schemas.microsoft.com/office/drawing/2014/main" id="{BF939F9D-C3E7-44DA-9D11-58FC12310351}"/>
               </a:ext>
             </a:extLst>
           </p:cNvPr>
@@ -5162,7 +5353,7 @@
         <p:spPr>
           <a:xfrm>
             <a:off x="187326" y="169863"/>
-            <a:ext cx="4781094" cy="514350"/>
+            <a:ext cx="5054899" cy="514350"/>
           </a:xfrm>
           <a:prstGeom prst="rect">
             <a:avLst/>
@@ -5194,15 +5385,636 @@
           <a:p>
             <a:r>
               <a:rPr lang="zh-CN" altLang="en-US" sz="2900" b="1" dirty="0"/>
-              <a:t>下阶段主要任务及时间安排</a:t>
-            </a:r>
-          </a:p>
-        </p:txBody>
-      </p:sp>
+              <a:t>阶段性成果和收获</a:t>
+            </a:r>
+          </a:p>
+        </p:txBody>
+      </p:sp>
+      <p:sp>
+        <p:nvSpPr>
+          <p:cNvPr id="13" name="内容占位符 2">
+            <a:extLst>
+              <a:ext uri="{FF2B5EF4-FFF2-40B4-BE49-F238E27FC236}">
+                <a16:creationId xmlns:a16="http://schemas.microsoft.com/office/drawing/2014/main" id="{E372C9C1-ABC5-4258-8074-44CDBB9A1D21}"/>
+              </a:ext>
+            </a:extLst>
+          </p:cNvPr>
+          <p:cNvSpPr txBox="1">
+            <a:spLocks/>
+          </p:cNvSpPr>
+          <p:nvPr/>
+        </p:nvSpPr>
+        <p:spPr>
+          <a:xfrm>
+            <a:off x="638713" y="921638"/>
+            <a:ext cx="10618567" cy="5389499"/>
+          </a:xfrm>
+          <a:prstGeom prst="rect">
+            <a:avLst/>
+          </a:prstGeom>
+        </p:spPr>
+        <p:txBody>
+          <a:bodyPr vert="horz" lIns="91440" tIns="45720" rIns="91440" bIns="45720" rtlCol="0">
+            <a:noAutofit/>
+          </a:bodyPr>
+          <a:lstStyle>
+            <a:lvl1pPr marL="228600" indent="-228600" algn="l" defTabSz="914400" rtl="0" eaLnBrk="1" latinLnBrk="0" hangingPunct="1">
+              <a:lnSpc>
+                <a:spcPct val="90000"/>
+              </a:lnSpc>
+              <a:spcBef>
+                <a:spcPts val="1000"/>
+              </a:spcBef>
+              <a:buFont typeface="Arial" panose="020B0604020202020204" pitchFamily="34" charset="0"/>
+              <a:buChar char="•"/>
+              <a:defRPr sz="2800" kern="1200">
+                <a:solidFill>
+                  <a:schemeClr val="tx1"/>
+                </a:solidFill>
+                <a:latin typeface="+mn-lt"/>
+                <a:ea typeface="+mn-ea"/>
+                <a:cs typeface="+mn-cs"/>
+              </a:defRPr>
+            </a:lvl1pPr>
+            <a:lvl2pPr marL="685800" indent="-228600" algn="l" defTabSz="914400" rtl="0" eaLnBrk="1" latinLnBrk="0" hangingPunct="1">
+              <a:lnSpc>
+                <a:spcPct val="90000"/>
+              </a:lnSpc>
+              <a:spcBef>
+                <a:spcPts val="500"/>
+              </a:spcBef>
+              <a:buFont typeface="Arial" panose="020B0604020202020204" pitchFamily="34" charset="0"/>
+              <a:buChar char="•"/>
+              <a:defRPr sz="2400" kern="1200">
+                <a:solidFill>
+                  <a:schemeClr val="tx1"/>
+                </a:solidFill>
+                <a:latin typeface="+mn-lt"/>
+                <a:ea typeface="+mn-ea"/>
+                <a:cs typeface="+mn-cs"/>
+              </a:defRPr>
+            </a:lvl2pPr>
+            <a:lvl3pPr marL="1143000" indent="-228600" algn="l" defTabSz="914400" rtl="0" eaLnBrk="1" latinLnBrk="0" hangingPunct="1">
+              <a:lnSpc>
+                <a:spcPct val="90000"/>
+              </a:lnSpc>
+              <a:spcBef>
+                <a:spcPts val="500"/>
+              </a:spcBef>
+              <a:buFont typeface="Arial" panose="020B0604020202020204" pitchFamily="34" charset="0"/>
+              <a:buChar char="•"/>
+              <a:defRPr sz="2000" kern="1200">
+                <a:solidFill>
+                  <a:schemeClr val="tx1"/>
+                </a:solidFill>
+                <a:latin typeface="+mn-lt"/>
+                <a:ea typeface="+mn-ea"/>
+                <a:cs typeface="+mn-cs"/>
+              </a:defRPr>
+            </a:lvl3pPr>
+            <a:lvl4pPr marL="1600200" indent="-228600" algn="l" defTabSz="914400" rtl="0" eaLnBrk="1" latinLnBrk="0" hangingPunct="1">
+              <a:lnSpc>
+                <a:spcPct val="90000"/>
+              </a:lnSpc>
+              <a:spcBef>
+                <a:spcPts val="500"/>
+              </a:spcBef>
+              <a:buFont typeface="Arial" panose="020B0604020202020204" pitchFamily="34" charset="0"/>
+              <a:buChar char="•"/>
+              <a:defRPr sz="1800" kern="1200">
+                <a:solidFill>
+                  <a:schemeClr val="tx1"/>
+                </a:solidFill>
+                <a:latin typeface="+mn-lt"/>
+                <a:ea typeface="+mn-ea"/>
+                <a:cs typeface="+mn-cs"/>
+              </a:defRPr>
+            </a:lvl4pPr>
+            <a:lvl5pPr marL="2057400" indent="-228600" algn="l" defTabSz="914400" rtl="0" eaLnBrk="1" latinLnBrk="0" hangingPunct="1">
+              <a:lnSpc>
+                <a:spcPct val="90000"/>
+              </a:lnSpc>
+              <a:spcBef>
+                <a:spcPts val="500"/>
+              </a:spcBef>
+              <a:buFont typeface="Arial" panose="020B0604020202020204" pitchFamily="34" charset="0"/>
+              <a:buChar char="•"/>
+              <a:defRPr sz="1800" kern="1200">
+                <a:solidFill>
+                  <a:schemeClr val="tx1"/>
+                </a:solidFill>
+                <a:latin typeface="+mn-lt"/>
+                <a:ea typeface="+mn-ea"/>
+                <a:cs typeface="+mn-cs"/>
+              </a:defRPr>
+            </a:lvl5pPr>
+            <a:lvl6pPr marL="2514600" indent="-228600" algn="l" defTabSz="914400" rtl="0" eaLnBrk="1" latinLnBrk="0" hangingPunct="1">
+              <a:lnSpc>
+                <a:spcPct val="90000"/>
+              </a:lnSpc>
+              <a:spcBef>
+                <a:spcPts val="500"/>
+              </a:spcBef>
+              <a:buFont typeface="Arial" panose="020B0604020202020204" pitchFamily="34" charset="0"/>
+              <a:buChar char="•"/>
+              <a:defRPr sz="1800" kern="1200">
+                <a:solidFill>
+                  <a:schemeClr val="tx1"/>
+                </a:solidFill>
+                <a:latin typeface="+mn-lt"/>
+                <a:ea typeface="+mn-ea"/>
+                <a:cs typeface="+mn-cs"/>
+              </a:defRPr>
+            </a:lvl6pPr>
+            <a:lvl7pPr marL="2971800" indent="-228600" algn="l" defTabSz="914400" rtl="0" eaLnBrk="1" latinLnBrk="0" hangingPunct="1">
+              <a:lnSpc>
+                <a:spcPct val="90000"/>
+              </a:lnSpc>
+              <a:spcBef>
+                <a:spcPts val="500"/>
+              </a:spcBef>
+              <a:buFont typeface="Arial" panose="020B0604020202020204" pitchFamily="34" charset="0"/>
+              <a:buChar char="•"/>
+              <a:defRPr sz="1800" kern="1200">
+                <a:solidFill>
+                  <a:schemeClr val="tx1"/>
+                </a:solidFill>
+                <a:latin typeface="+mn-lt"/>
+                <a:ea typeface="+mn-ea"/>
+                <a:cs typeface="+mn-cs"/>
+              </a:defRPr>
+            </a:lvl7pPr>
+            <a:lvl8pPr marL="3429000" indent="-228600" algn="l" defTabSz="914400" rtl="0" eaLnBrk="1" latinLnBrk="0" hangingPunct="1">
+              <a:lnSpc>
+                <a:spcPct val="90000"/>
+              </a:lnSpc>
+              <a:spcBef>
+                <a:spcPts val="500"/>
+              </a:spcBef>
+              <a:buFont typeface="Arial" panose="020B0604020202020204" pitchFamily="34" charset="0"/>
+              <a:buChar char="•"/>
+              <a:defRPr sz="1800" kern="1200">
+                <a:solidFill>
+                  <a:schemeClr val="tx1"/>
+                </a:solidFill>
+                <a:latin typeface="+mn-lt"/>
+                <a:ea typeface="+mn-ea"/>
+                <a:cs typeface="+mn-cs"/>
+              </a:defRPr>
+            </a:lvl8pPr>
+            <a:lvl9pPr marL="3886200" indent="-228600" algn="l" defTabSz="914400" rtl="0" eaLnBrk="1" latinLnBrk="0" hangingPunct="1">
+              <a:lnSpc>
+                <a:spcPct val="90000"/>
+              </a:lnSpc>
+              <a:spcBef>
+                <a:spcPts val="500"/>
+              </a:spcBef>
+              <a:buFont typeface="Arial" panose="020B0604020202020204" pitchFamily="34" charset="0"/>
+              <a:buChar char="•"/>
+              <a:defRPr sz="1800" kern="1200">
+                <a:solidFill>
+                  <a:schemeClr val="tx1"/>
+                </a:solidFill>
+                <a:latin typeface="+mn-lt"/>
+                <a:ea typeface="+mn-ea"/>
+                <a:cs typeface="+mn-cs"/>
+              </a:defRPr>
+            </a:lvl9pPr>
+          </a:lstStyle>
+          <a:p>
+            <a:pPr>
+              <a:lnSpc>
+                <a:spcPct val="150000"/>
+              </a:lnSpc>
+            </a:pPr>
+            <a:endParaRPr lang="en-US" altLang="zh-CN" dirty="0">
+              <a:solidFill>
+                <a:srgbClr val="000000"/>
+              </a:solidFill>
+              <a:latin typeface="Arial" panose="020B0604020202020204" pitchFamily="34" charset="0"/>
+            </a:endParaRPr>
+          </a:p>
+        </p:txBody>
+      </p:sp>
+      <p:sp>
+        <p:nvSpPr>
+          <p:cNvPr id="15" name="内容占位符 14">
+            <a:extLst>
+              <a:ext uri="{FF2B5EF4-FFF2-40B4-BE49-F238E27FC236}">
+                <a16:creationId xmlns:a16="http://schemas.microsoft.com/office/drawing/2014/main" id="{6C7F9AAC-BC60-4CA8-9613-222FB1693E1B}"/>
+              </a:ext>
+            </a:extLst>
+          </p:cNvPr>
+          <p:cNvSpPr>
+            <a:spLocks noGrp="1"/>
+          </p:cNvSpPr>
+          <p:nvPr>
+            <p:ph idx="1"/>
+          </p:nvPr>
+        </p:nvSpPr>
+        <p:spPr>
+          <a:xfrm>
+            <a:off x="638713" y="921638"/>
+            <a:ext cx="10515600" cy="4351338"/>
+          </a:xfrm>
+        </p:spPr>
+        <p:txBody>
+          <a:bodyPr/>
+          <a:lstStyle/>
+          <a:p>
+            <a:r>
+              <a:rPr lang="zh-CN" altLang="en-US" dirty="0">
+                <a:solidFill>
+                  <a:srgbClr val="000000"/>
+                </a:solidFill>
+                <a:latin typeface="Arial" panose="020B0604020202020204" pitchFamily="34" charset="0"/>
+              </a:rPr>
+              <a:t>可视化分析结果</a:t>
+            </a:r>
+            <a:endParaRPr lang="en-US" altLang="zh-CN" dirty="0">
+              <a:solidFill>
+                <a:srgbClr val="000000"/>
+              </a:solidFill>
+              <a:latin typeface="Arial" panose="020B0604020202020204" pitchFamily="34" charset="0"/>
+            </a:endParaRPr>
+          </a:p>
+          <a:p>
+            <a:endParaRPr lang="zh-CN" altLang="en-US" dirty="0"/>
+          </a:p>
+        </p:txBody>
+      </p:sp>
+      <p:pic>
+        <p:nvPicPr>
+          <p:cNvPr id="17" name="内容占位符 11">
+            <a:extLst>
+              <a:ext uri="{FF2B5EF4-FFF2-40B4-BE49-F238E27FC236}">
+                <a16:creationId xmlns:a16="http://schemas.microsoft.com/office/drawing/2014/main" id="{BF7243AE-0DBA-4D8C-84A7-B1F96B834438}"/>
+              </a:ext>
+            </a:extLst>
+          </p:cNvPr>
+          <p:cNvPicPr>
+            <a:picLocks noChangeAspect="1"/>
+          </p:cNvPicPr>
+          <p:nvPr/>
+        </p:nvPicPr>
+        <p:blipFill>
+          <a:blip r:embed="rId3"/>
+          <a:stretch>
+            <a:fillRect/>
+          </a:stretch>
+        </p:blipFill>
+        <p:spPr>
+          <a:xfrm>
+            <a:off x="2049717" y="1457615"/>
+            <a:ext cx="8092566" cy="4853522"/>
+          </a:xfrm>
+          <a:prstGeom prst="rect">
+            <a:avLst/>
+          </a:prstGeom>
+        </p:spPr>
+      </p:pic>
     </p:spTree>
     <p:extLst>
       <p:ext uri="{BB962C8B-B14F-4D97-AF65-F5344CB8AC3E}">
-        <p14:creationId xmlns:p14="http://schemas.microsoft.com/office/powerpoint/2010/main" val="2230321019"/>
+        <p14:creationId xmlns:p14="http://schemas.microsoft.com/office/powerpoint/2010/main" val="3090235455"/>
+      </p:ext>
+    </p:extLst>
+  </p:cSld>
+  <p:clrMapOvr>
+    <a:masterClrMapping/>
+  </p:clrMapOvr>
+</p:sld>
+</file>
+
+<file path=ppt/slides/slide6.xml><?xml version="1.0" encoding="utf-8"?>
+<p:sld xmlns:a="http://schemas.openxmlformats.org/drawingml/2006/main" xmlns:r="http://schemas.openxmlformats.org/officeDocument/2006/relationships" xmlns:p="http://schemas.openxmlformats.org/presentationml/2006/main">
+  <p:cSld>
+    <p:spTree>
+      <p:nvGrpSpPr>
+        <p:cNvPr id="1" name=""/>
+        <p:cNvGrpSpPr/>
+        <p:nvPr/>
+      </p:nvGrpSpPr>
+      <p:grpSpPr>
+        <a:xfrm>
+          <a:off x="0" y="0"/>
+          <a:ext cx="0" cy="0"/>
+          <a:chOff x="0" y="0"/>
+          <a:chExt cx="0" cy="0"/>
+        </a:xfrm>
+      </p:grpSpPr>
+      <p:sp>
+        <p:nvSpPr>
+          <p:cNvPr id="3" name="内容占位符 2">
+            <a:extLst>
+              <a:ext uri="{FF2B5EF4-FFF2-40B4-BE49-F238E27FC236}">
+                <a16:creationId xmlns:a16="http://schemas.microsoft.com/office/drawing/2014/main" id="{F004137C-BF30-4DAB-AB4C-CFB7779C9473}"/>
+              </a:ext>
+            </a:extLst>
+          </p:cNvPr>
+          <p:cNvSpPr>
+            <a:spLocks noGrp="1"/>
+          </p:cNvSpPr>
+          <p:nvPr>
+            <p:ph idx="1"/>
+          </p:nvPr>
+        </p:nvSpPr>
+        <p:spPr>
+          <a:xfrm>
+            <a:off x="661337" y="1274114"/>
+            <a:ext cx="6143724" cy="2765473"/>
+          </a:xfrm>
+        </p:spPr>
+        <p:txBody>
+          <a:bodyPr>
+            <a:noAutofit/>
+          </a:bodyPr>
+          <a:lstStyle/>
+          <a:p>
+            <a:pPr>
+              <a:lnSpc>
+                <a:spcPct val="150000"/>
+              </a:lnSpc>
+            </a:pPr>
+            <a:r>
+              <a:rPr lang="zh-CN" altLang="en-US" dirty="0">
+                <a:solidFill>
+                  <a:srgbClr val="000000"/>
+                </a:solidFill>
+                <a:latin typeface="Arial" panose="020B0604020202020204" pitchFamily="34" charset="0"/>
+              </a:rPr>
+              <a:t>对模型输入格式进行修改</a:t>
+            </a:r>
+            <a:endParaRPr lang="en-US" altLang="zh-CN" dirty="0">
+              <a:solidFill>
+                <a:srgbClr val="000000"/>
+              </a:solidFill>
+              <a:latin typeface="Arial" panose="020B0604020202020204" pitchFamily="34" charset="0"/>
+            </a:endParaRPr>
+          </a:p>
+          <a:p>
+            <a:pPr>
+              <a:lnSpc>
+                <a:spcPct val="150000"/>
+              </a:lnSpc>
+            </a:pPr>
+            <a:r>
+              <a:rPr lang="zh-CN" altLang="en-US" dirty="0">
+                <a:solidFill>
+                  <a:srgbClr val="000000"/>
+                </a:solidFill>
+                <a:latin typeface="Arial" panose="020B0604020202020204" pitchFamily="34" charset="0"/>
+              </a:rPr>
+              <a:t>优化可视化页面</a:t>
+            </a:r>
+            <a:endParaRPr lang="en-US" altLang="zh-CN" dirty="0">
+              <a:solidFill>
+                <a:srgbClr val="000000"/>
+              </a:solidFill>
+              <a:latin typeface="Arial" panose="020B0604020202020204" pitchFamily="34" charset="0"/>
+            </a:endParaRPr>
+          </a:p>
+          <a:p>
+            <a:pPr>
+              <a:lnSpc>
+                <a:spcPct val="150000"/>
+              </a:lnSpc>
+            </a:pPr>
+            <a:r>
+              <a:rPr lang="zh-CN" altLang="en-US" dirty="0">
+                <a:solidFill>
+                  <a:srgbClr val="000000"/>
+                </a:solidFill>
+                <a:latin typeface="Arial" panose="020B0604020202020204" pitchFamily="34" charset="0"/>
+              </a:rPr>
+              <a:t>前后端对接</a:t>
+            </a:r>
+            <a:endParaRPr lang="en-US" altLang="zh-CN" dirty="0">
+              <a:solidFill>
+                <a:srgbClr val="000000"/>
+              </a:solidFill>
+              <a:latin typeface="Arial" panose="020B0604020202020204" pitchFamily="34" charset="0"/>
+            </a:endParaRPr>
+          </a:p>
+          <a:p>
+            <a:pPr>
+              <a:lnSpc>
+                <a:spcPct val="150000"/>
+              </a:lnSpc>
+            </a:pPr>
+            <a:endParaRPr lang="en-US" altLang="zh-CN" dirty="0">
+              <a:solidFill>
+                <a:srgbClr val="000000"/>
+              </a:solidFill>
+              <a:latin typeface="Arial" panose="020B0604020202020204" pitchFamily="34" charset="0"/>
+            </a:endParaRPr>
+          </a:p>
+        </p:txBody>
+      </p:sp>
+      <p:sp>
+        <p:nvSpPr>
+          <p:cNvPr id="10" name="矩形 9">
+            <a:extLst>
+              <a:ext uri="{FF2B5EF4-FFF2-40B4-BE49-F238E27FC236}">
+                <a16:creationId xmlns:a16="http://schemas.microsoft.com/office/drawing/2014/main" id="{41C46474-8F88-4D94-9C35-75A646DCEC1E}"/>
+              </a:ext>
+            </a:extLst>
+          </p:cNvPr>
+          <p:cNvSpPr/>
+          <p:nvPr/>
+        </p:nvSpPr>
+        <p:spPr>
+          <a:xfrm>
+            <a:off x="129382" y="169863"/>
+            <a:ext cx="44450" cy="514350"/>
+          </a:xfrm>
+          <a:prstGeom prst="rect">
+            <a:avLst/>
+          </a:prstGeom>
+          <a:solidFill>
+            <a:schemeClr val="accent1">
+              <a:lumMod val="50000"/>
+            </a:schemeClr>
+          </a:solidFill>
+          <a:ln>
+            <a:noFill/>
+          </a:ln>
+        </p:spPr>
+        <p:style>
+          <a:lnRef idx="2">
+            <a:schemeClr val="accent1">
+              <a:shade val="50000"/>
+            </a:schemeClr>
+          </a:lnRef>
+          <a:fillRef idx="1">
+            <a:schemeClr val="accent1"/>
+          </a:fillRef>
+          <a:effectRef idx="0">
+            <a:schemeClr val="accent1"/>
+          </a:effectRef>
+          <a:fontRef idx="minor">
+            <a:schemeClr val="lt1"/>
+          </a:fontRef>
+        </p:style>
+        <p:txBody>
+          <a:bodyPr anchor="ctr"/>
+          <a:lstStyle/>
+          <a:p>
+            <a:pPr algn="ctr" eaLnBrk="1" hangingPunct="1">
+              <a:buFont typeface="Arial" panose="020B0604020202020204" pitchFamily="34" charset="0"/>
+              <a:buNone/>
+              <a:defRPr/>
+            </a:pPr>
+            <a:endParaRPr lang="zh-CN" altLang="en-US"/>
+          </a:p>
+        </p:txBody>
+      </p:sp>
+      <p:sp>
+        <p:nvSpPr>
+          <p:cNvPr id="11" name="矩形 10">
+            <a:extLst>
+              <a:ext uri="{FF2B5EF4-FFF2-40B4-BE49-F238E27FC236}">
+                <a16:creationId xmlns:a16="http://schemas.microsoft.com/office/drawing/2014/main" id="{918E47E4-772A-4EED-A7BF-0058324F2D75}"/>
+              </a:ext>
+            </a:extLst>
+          </p:cNvPr>
+          <p:cNvSpPr/>
+          <p:nvPr/>
+        </p:nvSpPr>
+        <p:spPr>
+          <a:xfrm flipH="1">
+            <a:off x="0" y="169863"/>
+            <a:ext cx="115888" cy="514350"/>
+          </a:xfrm>
+          <a:prstGeom prst="rect">
+            <a:avLst/>
+          </a:prstGeom>
+          <a:solidFill>
+            <a:schemeClr val="accent1">
+              <a:lumMod val="50000"/>
+            </a:schemeClr>
+          </a:solidFill>
+          <a:ln>
+            <a:noFill/>
+          </a:ln>
+        </p:spPr>
+        <p:style>
+          <a:lnRef idx="2">
+            <a:schemeClr val="accent1">
+              <a:shade val="50000"/>
+            </a:schemeClr>
+          </a:lnRef>
+          <a:fillRef idx="1">
+            <a:schemeClr val="accent1"/>
+          </a:fillRef>
+          <a:effectRef idx="0">
+            <a:schemeClr val="accent1"/>
+          </a:effectRef>
+          <a:fontRef idx="minor">
+            <a:schemeClr val="lt1"/>
+          </a:fontRef>
+        </p:style>
+        <p:txBody>
+          <a:bodyPr anchor="ctr"/>
+          <a:lstStyle/>
+          <a:p>
+            <a:pPr algn="ctr" eaLnBrk="1" hangingPunct="1">
+              <a:buFont typeface="Arial" panose="020B0604020202020204" pitchFamily="34" charset="0"/>
+              <a:buNone/>
+              <a:defRPr/>
+            </a:pPr>
+            <a:endParaRPr lang="zh-CN" altLang="en-US"/>
+          </a:p>
+        </p:txBody>
+      </p:sp>
+      <p:sp>
+        <p:nvSpPr>
+          <p:cNvPr id="12" name="标题 1">
+            <a:extLst>
+              <a:ext uri="{FF2B5EF4-FFF2-40B4-BE49-F238E27FC236}">
+                <a16:creationId xmlns:a16="http://schemas.microsoft.com/office/drawing/2014/main" id="{4398ED8A-1BE3-4C62-9088-28BE8186D725}"/>
+              </a:ext>
+            </a:extLst>
+          </p:cNvPr>
+          <p:cNvSpPr txBox="1">
+            <a:spLocks/>
+          </p:cNvSpPr>
+          <p:nvPr/>
+        </p:nvSpPr>
+        <p:spPr>
+          <a:xfrm>
+            <a:off x="187326" y="169863"/>
+            <a:ext cx="4111624" cy="514350"/>
+          </a:xfrm>
+          <a:prstGeom prst="rect">
+            <a:avLst/>
+          </a:prstGeom>
+        </p:spPr>
+        <p:txBody>
+          <a:bodyPr vert="horz" lIns="91440" tIns="45720" rIns="91440" bIns="45720" rtlCol="0" anchor="ctr">
+            <a:noAutofit/>
+          </a:bodyPr>
+          <a:lstStyle>
+            <a:lvl1pPr algn="l" defTabSz="914400" rtl="0" eaLnBrk="1" latinLnBrk="0" hangingPunct="1">
+              <a:lnSpc>
+                <a:spcPct val="90000"/>
+              </a:lnSpc>
+              <a:spcBef>
+                <a:spcPct val="0"/>
+              </a:spcBef>
+              <a:buNone/>
+              <a:defRPr sz="4400" kern="1200">
+                <a:solidFill>
+                  <a:schemeClr val="tx1"/>
+                </a:solidFill>
+                <a:latin typeface="+mj-lt"/>
+                <a:ea typeface="+mj-ea"/>
+                <a:cs typeface="+mj-cs"/>
+              </a:defRPr>
+            </a:lvl1pPr>
+          </a:lstStyle>
+          <a:p>
+            <a:r>
+              <a:rPr lang="zh-CN" altLang="en-US" sz="2900" b="1" dirty="0"/>
+              <a:t>主要问题及应对思路</a:t>
+            </a:r>
+          </a:p>
+        </p:txBody>
+      </p:sp>
+      <p:pic>
+        <p:nvPicPr>
+          <p:cNvPr id="2" name="图片 1">
+            <a:extLst>
+              <a:ext uri="{FF2B5EF4-FFF2-40B4-BE49-F238E27FC236}">
+                <a16:creationId xmlns:a16="http://schemas.microsoft.com/office/drawing/2014/main" id="{A1490C7D-C228-4D93-9FC7-22B98A1CB8B2}"/>
+              </a:ext>
+            </a:extLst>
+          </p:cNvPr>
+          <p:cNvPicPr>
+            <a:picLocks noChangeAspect="1"/>
+          </p:cNvPicPr>
+          <p:nvPr/>
+        </p:nvPicPr>
+        <p:blipFill>
+          <a:blip r:embed="rId3"/>
+          <a:stretch>
+            <a:fillRect/>
+          </a:stretch>
+        </p:blipFill>
+        <p:spPr>
+          <a:xfrm>
+            <a:off x="6096000" y="1190510"/>
+            <a:ext cx="5630377" cy="4782428"/>
+          </a:xfrm>
+          <a:prstGeom prst="rect">
+            <a:avLst/>
+          </a:prstGeom>
+        </p:spPr>
+      </p:pic>
+    </p:spTree>
+    <p:extLst>
+      <p:ext uri="{BB962C8B-B14F-4D97-AF65-F5344CB8AC3E}">
+        <p14:creationId xmlns:p14="http://schemas.microsoft.com/office/powerpoint/2010/main" val="2997770620"/>
       </p:ext>
     </p:extLst>
   </p:cSld>
